--- a/exp2/theoryimage/Procedure.pptx
+++ b/exp2/theoryimage/Procedure.pptx
@@ -5,7 +5,7 @@
     <p:sldMasterId id="2147483665" r:id="rId1"/>
   </p:sldMasterIdLst>
   <p:notesMasterIdLst>
-    <p:notesMasterId r:id="rId9"/>
+    <p:notesMasterId r:id="rId11"/>
   </p:notesMasterIdLst>
   <p:sldIdLst>
     <p:sldId id="256" r:id="rId2"/>
@@ -15,23 +15,25 @@
     <p:sldId id="260" r:id="rId6"/>
     <p:sldId id="261" r:id="rId7"/>
     <p:sldId id="262" r:id="rId8"/>
+    <p:sldId id="263" r:id="rId9"/>
+    <p:sldId id="264" r:id="rId10"/>
   </p:sldIdLst>
   <p:sldSz cx="12192000" cy="6858000"/>
   <p:notesSz cx="6858000" cy="9144000"/>
   <p:embeddedFontLst>
     <p:embeddedFont>
       <p:font typeface="Corbel" panose="020B0503020204020204" pitchFamily="34" charset="0"/>
-      <p:regular r:id="rId10"/>
-      <p:bold r:id="rId11"/>
-      <p:italic r:id="rId12"/>
-      <p:boldItalic r:id="rId13"/>
+      <p:regular r:id="rId12"/>
+      <p:bold r:id="rId13"/>
+      <p:italic r:id="rId14"/>
+      <p:boldItalic r:id="rId15"/>
     </p:embeddedFont>
     <p:embeddedFont>
       <p:font typeface="Quattrocento Sans" panose="020B0604020202020204" charset="0"/>
-      <p:regular r:id="rId14"/>
-      <p:bold r:id="rId15"/>
-      <p:italic r:id="rId16"/>
-      <p:boldItalic r:id="rId17"/>
+      <p:regular r:id="rId16"/>
+      <p:bold r:id="rId17"/>
+      <p:italic r:id="rId18"/>
+      <p:boldItalic r:id="rId19"/>
     </p:embeddedFont>
   </p:embeddedFontLst>
   <p:defaultTextStyle>
@@ -934,45 +936,7 @@
       </p:grpSpPr>
       <p:sp>
         <p:nvSpPr>
-          <p:cNvPr id="154" name="Google Shape;154;p5:notes"/>
-          <p:cNvSpPr txBox="1">
-            <a:spLocks noGrp="1"/>
-          </p:cNvSpPr>
-          <p:nvPr>
-            <p:ph type="body" idx="1"/>
-          </p:nvPr>
-        </p:nvSpPr>
-        <p:spPr>
-          <a:xfrm>
-            <a:off x="685800" y="4343400"/>
-            <a:ext cx="5486400" cy="4114800"/>
-          </a:xfrm>
-          <a:prstGeom prst="rect">
-            <a:avLst/>
-          </a:prstGeom>
-        </p:spPr>
-        <p:txBody>
-          <a:bodyPr spcFirstLastPara="1" wrap="square" lIns="91425" tIns="91425" rIns="91425" bIns="91425" anchor="t" anchorCtr="0">
-            <a:noAutofit/>
-          </a:bodyPr>
-          <a:lstStyle/>
-          <a:p>
-            <a:pPr marL="0" lvl="0" indent="0" algn="l" rtl="0">
-              <a:spcBef>
-                <a:spcPts val="0"/>
-              </a:spcBef>
-              <a:spcAft>
-                <a:spcPts val="0"/>
-              </a:spcAft>
-              <a:buNone/>
-            </a:pPr>
-            <a:endParaRPr/>
-          </a:p>
-        </p:txBody>
-      </p:sp>
-      <p:sp>
-        <p:nvSpPr>
-          <p:cNvPr id="155" name="Google Shape;155;p5:notes"/>
+          <p:cNvPr id="154" name="Google Shape;154;g10c5e81c8c0_1_1:notes"/>
           <p:cNvSpPr>
             <a:spLocks noGrp="1" noRot="1" noChangeAspect="1"/>
           </p:cNvSpPr>
@@ -1011,34 +975,9 @@
           </a:custGeom>
         </p:spPr>
       </p:sp>
-    </p:spTree>
-  </p:cSld>
-  <p:clrMapOvr>
-    <a:masterClrMapping/>
-  </p:clrMapOvr>
-</p:notes>
-</file>
-
-<file path=ppt/notesSlides/notesSlide4.xml><?xml version="1.0" encoding="utf-8"?>
-<p:notes xmlns:a="http://schemas.openxmlformats.org/drawingml/2006/main" xmlns:r="http://schemas.openxmlformats.org/officeDocument/2006/relationships" xmlns:p="http://schemas.openxmlformats.org/presentationml/2006/main" showMasterSp="0" showMasterPhAnim="0">
-  <p:cSld>
-    <p:spTree>
-      <p:nvGrpSpPr>
-        <p:cNvPr id="1" name="Shape 162"/>
-        <p:cNvGrpSpPr/>
-        <p:nvPr/>
-      </p:nvGrpSpPr>
-      <p:grpSpPr>
-        <a:xfrm>
-          <a:off x="0" y="0"/>
-          <a:ext cx="0" cy="0"/>
-          <a:chOff x="0" y="0"/>
-          <a:chExt cx="0" cy="0"/>
-        </a:xfrm>
-      </p:grpSpPr>
       <p:sp>
         <p:nvSpPr>
-          <p:cNvPr id="163" name="Google Shape;163;p6:notes"/>
+          <p:cNvPr id="155" name="Google Shape;155;g10c5e81c8c0_1_1:notes"/>
           <p:cNvSpPr txBox="1">
             <a:spLocks noGrp="1"/>
           </p:cNvSpPr>
@@ -1074,9 +1013,72 @@
           </a:p>
         </p:txBody>
       </p:sp>
+    </p:spTree>
+  </p:cSld>
+  <p:clrMapOvr>
+    <a:masterClrMapping/>
+  </p:clrMapOvr>
+</p:notes>
+</file>
+
+<file path=ppt/notesSlides/notesSlide4.xml><?xml version="1.0" encoding="utf-8"?>
+<p:notes xmlns:a="http://schemas.openxmlformats.org/drawingml/2006/main" xmlns:r="http://schemas.openxmlformats.org/officeDocument/2006/relationships" xmlns:p="http://schemas.openxmlformats.org/presentationml/2006/main" showMasterSp="0" showMasterPhAnim="0">
+  <p:cSld>
+    <p:spTree>
+      <p:nvGrpSpPr>
+        <p:cNvPr id="1" name="Shape 160"/>
+        <p:cNvGrpSpPr/>
+        <p:nvPr/>
+      </p:nvGrpSpPr>
+      <p:grpSpPr>
+        <a:xfrm>
+          <a:off x="0" y="0"/>
+          <a:ext cx="0" cy="0"/>
+          <a:chOff x="0" y="0"/>
+          <a:chExt cx="0" cy="0"/>
+        </a:xfrm>
+      </p:grpSpPr>
       <p:sp>
         <p:nvSpPr>
-          <p:cNvPr id="164" name="Google Shape;164;p6:notes"/>
+          <p:cNvPr id="161" name="Google Shape;161;p5:notes"/>
+          <p:cNvSpPr txBox="1">
+            <a:spLocks noGrp="1"/>
+          </p:cNvSpPr>
+          <p:nvPr>
+            <p:ph type="body" idx="1"/>
+          </p:nvPr>
+        </p:nvSpPr>
+        <p:spPr>
+          <a:xfrm>
+            <a:off x="685800" y="4343400"/>
+            <a:ext cx="5486400" cy="4114800"/>
+          </a:xfrm>
+          <a:prstGeom prst="rect">
+            <a:avLst/>
+          </a:prstGeom>
+        </p:spPr>
+        <p:txBody>
+          <a:bodyPr spcFirstLastPara="1" wrap="square" lIns="91425" tIns="91425" rIns="91425" bIns="91425" anchor="t" anchorCtr="0">
+            <a:noAutofit/>
+          </a:bodyPr>
+          <a:lstStyle/>
+          <a:p>
+            <a:pPr marL="0" lvl="0" indent="0" algn="l" rtl="0">
+              <a:spcBef>
+                <a:spcPts val="0"/>
+              </a:spcBef>
+              <a:spcAft>
+                <a:spcPts val="0"/>
+              </a:spcAft>
+              <a:buNone/>
+            </a:pPr>
+            <a:endParaRPr/>
+          </a:p>
+        </p:txBody>
+      </p:sp>
+      <p:sp>
+        <p:nvSpPr>
+          <p:cNvPr id="162" name="Google Shape;162;p5:notes"/>
           <p:cNvSpPr>
             <a:spLocks noGrp="1" noRot="1" noChangeAspect="1"/>
           </p:cNvSpPr>
@@ -1128,7 +1130,7 @@
   <p:cSld>
     <p:spTree>
       <p:nvGrpSpPr>
-        <p:cNvPr id="1" name="Shape 170"/>
+        <p:cNvPr id="1" name="Shape 169"/>
         <p:cNvGrpSpPr/>
         <p:nvPr/>
       </p:nvGrpSpPr>
@@ -1142,7 +1144,7 @@
       </p:grpSpPr>
       <p:sp>
         <p:nvSpPr>
-          <p:cNvPr id="171" name="Google Shape;171;p7:notes"/>
+          <p:cNvPr id="170" name="Google Shape;170;p6:notes"/>
           <p:cNvSpPr txBox="1">
             <a:spLocks noGrp="1"/>
           </p:cNvSpPr>
@@ -1180,7 +1182,7 @@
       </p:sp>
       <p:sp>
         <p:nvSpPr>
-          <p:cNvPr id="172" name="Google Shape;172;p7:notes"/>
+          <p:cNvPr id="171" name="Google Shape;171;p6:notes"/>
           <p:cNvSpPr>
             <a:spLocks noGrp="1" noRot="1" noChangeAspect="1"/>
           </p:cNvSpPr>
@@ -1246,7 +1248,7 @@
       </p:grpSpPr>
       <p:sp>
         <p:nvSpPr>
-          <p:cNvPr id="178" name="Google Shape;178;p8:notes"/>
+          <p:cNvPr id="178" name="Google Shape;178;p7:notes"/>
           <p:cNvSpPr txBox="1">
             <a:spLocks noGrp="1"/>
           </p:cNvSpPr>
@@ -1284,7 +1286,7 @@
       </p:sp>
       <p:sp>
         <p:nvSpPr>
-          <p:cNvPr id="179" name="Google Shape;179;p8:notes"/>
+          <p:cNvPr id="179" name="Google Shape;179;p7:notes"/>
           <p:cNvSpPr>
             <a:spLocks noGrp="1" noRot="1" noChangeAspect="1"/>
           </p:cNvSpPr>
@@ -1336,7 +1338,7 @@
   <p:cSld>
     <p:spTree>
       <p:nvGrpSpPr>
-        <p:cNvPr id="1" name="Shape 185"/>
+        <p:cNvPr id="1" name="Shape 184"/>
         <p:cNvGrpSpPr/>
         <p:nvPr/>
       </p:nvGrpSpPr>
@@ -1350,7 +1352,7 @@
       </p:grpSpPr>
       <p:sp>
         <p:nvSpPr>
-          <p:cNvPr id="186" name="Google Shape;186;p9:notes"/>
+          <p:cNvPr id="185" name="Google Shape;185;p8:notes"/>
           <p:cNvSpPr txBox="1">
             <a:spLocks noGrp="1"/>
           </p:cNvSpPr>
@@ -1388,7 +1390,7 @@
       </p:sp>
       <p:sp>
         <p:nvSpPr>
-          <p:cNvPr id="187" name="Google Shape;187;p9:notes"/>
+          <p:cNvPr id="186" name="Google Shape;186;p8:notes"/>
           <p:cNvSpPr>
             <a:spLocks noGrp="1" noRot="1" noChangeAspect="1"/>
           </p:cNvSpPr>
@@ -1426,6 +1428,214 @@
             </a:pathLst>
           </a:custGeom>
         </p:spPr>
+      </p:sp>
+    </p:spTree>
+  </p:cSld>
+  <p:clrMapOvr>
+    <a:masterClrMapping/>
+  </p:clrMapOvr>
+</p:notes>
+</file>
+
+<file path=ppt/notesSlides/notesSlide8.xml><?xml version="1.0" encoding="utf-8"?>
+<p:notes xmlns:a="http://schemas.openxmlformats.org/drawingml/2006/main" xmlns:r="http://schemas.openxmlformats.org/officeDocument/2006/relationships" xmlns:p="http://schemas.openxmlformats.org/presentationml/2006/main" showMasterSp="0" showMasterPhAnim="0">
+  <p:cSld>
+    <p:spTree>
+      <p:nvGrpSpPr>
+        <p:cNvPr id="1" name="Shape 192"/>
+        <p:cNvGrpSpPr/>
+        <p:nvPr/>
+      </p:nvGrpSpPr>
+      <p:grpSpPr>
+        <a:xfrm>
+          <a:off x="0" y="0"/>
+          <a:ext cx="0" cy="0"/>
+          <a:chOff x="0" y="0"/>
+          <a:chExt cx="0" cy="0"/>
+        </a:xfrm>
+      </p:grpSpPr>
+      <p:sp>
+        <p:nvSpPr>
+          <p:cNvPr id="193" name="Google Shape;193;p9:notes"/>
+          <p:cNvSpPr txBox="1">
+            <a:spLocks noGrp="1"/>
+          </p:cNvSpPr>
+          <p:nvPr>
+            <p:ph type="body" idx="1"/>
+          </p:nvPr>
+        </p:nvSpPr>
+        <p:spPr>
+          <a:xfrm>
+            <a:off x="685800" y="4343400"/>
+            <a:ext cx="5486400" cy="4114800"/>
+          </a:xfrm>
+          <a:prstGeom prst="rect">
+            <a:avLst/>
+          </a:prstGeom>
+        </p:spPr>
+        <p:txBody>
+          <a:bodyPr spcFirstLastPara="1" wrap="square" lIns="91425" tIns="91425" rIns="91425" bIns="91425" anchor="t" anchorCtr="0">
+            <a:noAutofit/>
+          </a:bodyPr>
+          <a:lstStyle/>
+          <a:p>
+            <a:pPr marL="0" lvl="0" indent="0" algn="l" rtl="0">
+              <a:spcBef>
+                <a:spcPts val="0"/>
+              </a:spcBef>
+              <a:spcAft>
+                <a:spcPts val="0"/>
+              </a:spcAft>
+              <a:buNone/>
+            </a:pPr>
+            <a:endParaRPr/>
+          </a:p>
+        </p:txBody>
+      </p:sp>
+      <p:sp>
+        <p:nvSpPr>
+          <p:cNvPr id="194" name="Google Shape;194;p9:notes"/>
+          <p:cNvSpPr>
+            <a:spLocks noGrp="1" noRot="1" noChangeAspect="1"/>
+          </p:cNvSpPr>
+          <p:nvPr>
+            <p:ph type="sldImg" idx="2"/>
+          </p:nvPr>
+        </p:nvSpPr>
+        <p:spPr>
+          <a:xfrm>
+            <a:off x="381000" y="685800"/>
+            <a:ext cx="6096000" cy="3429000"/>
+          </a:xfrm>
+          <a:custGeom>
+            <a:avLst/>
+            <a:gdLst/>
+            <a:ahLst/>
+            <a:cxnLst/>
+            <a:rect l="l" t="t" r="r" b="b"/>
+            <a:pathLst>
+              <a:path w="120000" h="120000" extrusionOk="0">
+                <a:moveTo>
+                  <a:pt x="0" y="0"/>
+                </a:moveTo>
+                <a:lnTo>
+                  <a:pt x="120000" y="0"/>
+                </a:lnTo>
+                <a:lnTo>
+                  <a:pt x="120000" y="120000"/>
+                </a:lnTo>
+                <a:lnTo>
+                  <a:pt x="0" y="120000"/>
+                </a:lnTo>
+                <a:close/>
+              </a:path>
+            </a:pathLst>
+          </a:custGeom>
+        </p:spPr>
+      </p:sp>
+    </p:spTree>
+  </p:cSld>
+  <p:clrMapOvr>
+    <a:masterClrMapping/>
+  </p:clrMapOvr>
+</p:notes>
+</file>
+
+<file path=ppt/notesSlides/notesSlide9.xml><?xml version="1.0" encoding="utf-8"?>
+<p:notes xmlns:a="http://schemas.openxmlformats.org/drawingml/2006/main" xmlns:r="http://schemas.openxmlformats.org/officeDocument/2006/relationships" xmlns:p="http://schemas.openxmlformats.org/presentationml/2006/main" showMasterSp="0" showMasterPhAnim="0">
+  <p:cSld>
+    <p:spTree>
+      <p:nvGrpSpPr>
+        <p:cNvPr id="1" name="Shape 199"/>
+        <p:cNvGrpSpPr/>
+        <p:nvPr/>
+      </p:nvGrpSpPr>
+      <p:grpSpPr>
+        <a:xfrm>
+          <a:off x="0" y="0"/>
+          <a:ext cx="0" cy="0"/>
+          <a:chOff x="0" y="0"/>
+          <a:chExt cx="0" cy="0"/>
+        </a:xfrm>
+      </p:grpSpPr>
+      <p:sp>
+        <p:nvSpPr>
+          <p:cNvPr id="200" name="Google Shape;200;g10c5e81c8c0_1_12:notes"/>
+          <p:cNvSpPr>
+            <a:spLocks noGrp="1" noRot="1" noChangeAspect="1"/>
+          </p:cNvSpPr>
+          <p:nvPr>
+            <p:ph type="sldImg" idx="2"/>
+          </p:nvPr>
+        </p:nvSpPr>
+        <p:spPr>
+          <a:xfrm>
+            <a:off x="381000" y="685800"/>
+            <a:ext cx="6096000" cy="3429000"/>
+          </a:xfrm>
+          <a:custGeom>
+            <a:avLst/>
+            <a:gdLst/>
+            <a:ahLst/>
+            <a:cxnLst/>
+            <a:rect l="l" t="t" r="r" b="b"/>
+            <a:pathLst>
+              <a:path w="120000" h="120000" extrusionOk="0">
+                <a:moveTo>
+                  <a:pt x="0" y="0"/>
+                </a:moveTo>
+                <a:lnTo>
+                  <a:pt x="120000" y="0"/>
+                </a:lnTo>
+                <a:lnTo>
+                  <a:pt x="120000" y="120000"/>
+                </a:lnTo>
+                <a:lnTo>
+                  <a:pt x="0" y="120000"/>
+                </a:lnTo>
+                <a:close/>
+              </a:path>
+            </a:pathLst>
+          </a:custGeom>
+        </p:spPr>
+      </p:sp>
+      <p:sp>
+        <p:nvSpPr>
+          <p:cNvPr id="201" name="Google Shape;201;g10c5e81c8c0_1_12:notes"/>
+          <p:cNvSpPr txBox="1">
+            <a:spLocks noGrp="1"/>
+          </p:cNvSpPr>
+          <p:nvPr>
+            <p:ph type="body" idx="1"/>
+          </p:nvPr>
+        </p:nvSpPr>
+        <p:spPr>
+          <a:xfrm>
+            <a:off x="685800" y="4343400"/>
+            <a:ext cx="5486400" cy="4114800"/>
+          </a:xfrm>
+          <a:prstGeom prst="rect">
+            <a:avLst/>
+          </a:prstGeom>
+        </p:spPr>
+        <p:txBody>
+          <a:bodyPr spcFirstLastPara="1" wrap="square" lIns="91425" tIns="91425" rIns="91425" bIns="91425" anchor="t" anchorCtr="0">
+            <a:noAutofit/>
+          </a:bodyPr>
+          <a:lstStyle/>
+          <a:p>
+            <a:pPr marL="0" lvl="0" indent="0" algn="l" rtl="0">
+              <a:spcBef>
+                <a:spcPts val="0"/>
+              </a:spcBef>
+              <a:spcAft>
+                <a:spcPts val="0"/>
+              </a:spcAft>
+              <a:buNone/>
+            </a:pPr>
+            <a:endParaRPr/>
+          </a:p>
+        </p:txBody>
       </p:sp>
     </p:spTree>
   </p:cSld>
@@ -16474,8 +16684,8 @@
         </p:nvSpPr>
         <p:spPr>
           <a:xfrm>
-            <a:off x="3660347" y="1019175"/>
-            <a:ext cx="6767513" cy="2222998"/>
+            <a:off x="3660348" y="1065212"/>
+            <a:ext cx="6767513" cy="1279525"/>
           </a:xfrm>
           <a:prstGeom prst="rect">
             <a:avLst/>
@@ -16505,7 +16715,7 @@
               <a:buNone/>
             </a:pPr>
             <a:r>
-              <a:rPr lang="en-US" sz="1400" b="1" i="0" u="none" strike="noStrike" cap="none" dirty="0">
+              <a:rPr lang="en-US" sz="1400" b="1" i="0" u="none" strike="noStrike" cap="none">
                 <a:solidFill>
                   <a:srgbClr val="990033"/>
                 </a:solidFill>
@@ -16516,7 +16726,7 @@
               </a:rPr>
               <a:t>Dr. D. Y. Patil Unitech Society</a:t>
             </a:r>
-            <a:endParaRPr sz="1400" b="1" i="0" u="none" strike="noStrike" cap="none" dirty="0">
+            <a:endParaRPr sz="1400" b="1" i="0" u="none" strike="noStrike" cap="none">
               <a:solidFill>
                 <a:srgbClr val="990033"/>
               </a:solidFill>
@@ -16537,7 +16747,7 @@
               <a:buNone/>
             </a:pPr>
             <a:r>
-              <a:rPr lang="en-US" sz="2000" b="1" i="0" u="none" strike="noStrike" cap="none" dirty="0">
+              <a:rPr lang="en-US" sz="2000" b="1" i="0" u="none" strike="noStrike" cap="none">
                 <a:solidFill>
                   <a:srgbClr val="990033"/>
                 </a:solidFill>
@@ -16548,7 +16758,7 @@
               </a:rPr>
               <a:t>DR. D. Y. PATIL INSTITUTE OF TECHNOLOGY</a:t>
             </a:r>
-            <a:endParaRPr dirty="0"/>
+            <a:endParaRPr/>
           </a:p>
           <a:p>
             <a:pPr marL="0" marR="0" lvl="0" indent="0" algn="ctr" rtl="0">
@@ -16561,7 +16771,7 @@
               <a:buNone/>
             </a:pPr>
             <a:r>
-              <a:rPr lang="en-US" sz="1400" b="1" i="0" u="none" strike="noStrike" cap="none" dirty="0">
+              <a:rPr lang="en-US" sz="1400" b="1" i="0" u="none" strike="noStrike" cap="none">
                 <a:solidFill>
                   <a:srgbClr val="990033"/>
                 </a:solidFill>
@@ -16572,7 +16782,7 @@
               </a:rPr>
               <a:t>(formerly Dr. D. Y. Patil Institute of Engineering and Technology)</a:t>
             </a:r>
-            <a:endParaRPr dirty="0"/>
+            <a:endParaRPr/>
           </a:p>
           <a:p>
             <a:pPr marL="0" marR="0" lvl="0" indent="0" algn="ctr" rtl="0">
@@ -16585,7 +16795,7 @@
               <a:buNone/>
             </a:pPr>
             <a:r>
-              <a:rPr lang="en-US" sz="1400" b="1" i="0" u="none" strike="noStrike" cap="none" dirty="0">
+              <a:rPr lang="en-US" sz="1400" b="1" i="0" u="none" strike="noStrike" cap="none">
                 <a:solidFill>
                   <a:srgbClr val="990033"/>
                 </a:solidFill>
@@ -16596,7 +16806,7 @@
               </a:rPr>
               <a:t>Sant Tukaram Nagar, Pimpri, Pune.</a:t>
             </a:r>
-            <a:endParaRPr dirty="0"/>
+            <a:endParaRPr/>
           </a:p>
           <a:p>
             <a:pPr marL="0" marR="0" lvl="0" indent="0" algn="ctr" rtl="0">
@@ -16608,7 +16818,7 @@
               </a:spcAft>
               <a:buNone/>
             </a:pPr>
-            <a:endParaRPr sz="1400" b="1" i="0" u="none" strike="noStrike" cap="none" dirty="0">
+            <a:endParaRPr sz="1400" b="1" i="0" u="none" strike="noStrike" cap="none">
               <a:solidFill>
                 <a:srgbClr val="990033"/>
               </a:solidFill>
@@ -16637,7 +16847,7 @@
               <a:buNone/>
             </a:pPr>
             <a:r>
-              <a:rPr lang="en-US" sz="1600" b="1" i="0" u="sng" strike="noStrike" cap="none" dirty="0">
+              <a:rPr lang="en-US" sz="1600" b="1" i="0" u="sng" strike="noStrike" cap="none">
                 <a:solidFill>
                   <a:srgbClr val="990033"/>
                 </a:solidFill>
@@ -16648,7 +16858,7 @@
               </a:rPr>
               <a:t>DEPARTMENT OF ELECTRONICS &amp; TELECOMMUNICATION</a:t>
             </a:r>
-            <a:endParaRPr dirty="0"/>
+            <a:endParaRPr/>
           </a:p>
           <a:p>
             <a:pPr marL="0" marR="0" lvl="0" indent="0" algn="ctr" rtl="0">
@@ -16668,7 +16878,7 @@
               <a:buFont typeface="Corbel"/>
               <a:buNone/>
             </a:pPr>
-            <a:endParaRPr sz="1800" b="0" i="0" u="none" strike="noStrike" cap="none" dirty="0">
+            <a:endParaRPr sz="1800" b="0" i="0" u="none" strike="noStrike" cap="none">
               <a:solidFill>
                 <a:schemeClr val="dk1"/>
               </a:solidFill>
@@ -16834,8 +17044,8 @@
         </p:nvSpPr>
         <p:spPr>
           <a:xfrm>
-            <a:off x="3875552" y="3224679"/>
-            <a:ext cx="6337101" cy="1835005"/>
+            <a:off x="2683830" y="3761462"/>
+            <a:ext cx="8720547" cy="1369606"/>
           </a:xfrm>
           <a:prstGeom prst="rect">
             <a:avLst/>
@@ -16869,7 +17079,7 @@
               <a:buNone/>
             </a:pPr>
             <a:r>
-              <a:rPr lang="en-US" sz="2800" b="1" i="0" u="none" strike="noStrike" cap="none" dirty="0">
+              <a:rPr lang="en-US" sz="2800" b="1" i="0" u="none" strike="noStrike" cap="none">
                 <a:solidFill>
                   <a:srgbClr val="FF0000"/>
                 </a:solidFill>
@@ -16880,7 +17090,7 @@
               </a:rPr>
               <a:t>Electrical Circuit Virtual Lab</a:t>
             </a:r>
-            <a:endParaRPr dirty="0"/>
+            <a:endParaRPr/>
           </a:p>
           <a:p>
             <a:pPr marL="0" marR="0" lvl="0" indent="0" algn="ctr" rtl="0">
@@ -16900,7 +17110,7 @@
               <a:buFont typeface="Corbel"/>
               <a:buNone/>
             </a:pPr>
-            <a:endParaRPr sz="900" b="0" i="0" u="none" strike="noStrike" cap="none" dirty="0">
+            <a:endParaRPr sz="900" b="0" i="0" u="none" strike="noStrike" cap="none">
               <a:solidFill>
                 <a:schemeClr val="dk1"/>
               </a:solidFill>
@@ -16929,7 +17139,7 @@
               <a:buNone/>
             </a:pPr>
             <a:r>
-              <a:rPr lang="en-US" sz="1600" b="1" i="0" u="none" strike="noStrike" cap="none" dirty="0">
+              <a:rPr lang="en-US" sz="1600" b="1" i="0" u="none" strike="noStrike" cap="none">
                 <a:solidFill>
                   <a:srgbClr val="00B0F0"/>
                 </a:solidFill>
@@ -16940,7 +17150,7 @@
               </a:rPr>
               <a:t>Savitribai Phule Pune University</a:t>
             </a:r>
-            <a:endParaRPr sz="1000" b="0" i="0" u="none" strike="noStrike" cap="none" dirty="0">
+            <a:endParaRPr sz="1000" b="0" i="0" u="none" strike="noStrike" cap="none">
               <a:solidFill>
                 <a:schemeClr val="dk1"/>
               </a:solidFill>
@@ -16969,7 +17179,7 @@
               <a:buNone/>
             </a:pPr>
             <a:r>
-              <a:rPr lang="en-US" sz="1400" b="1" i="0" u="none" strike="noStrike" cap="none" dirty="0">
+              <a:rPr lang="en-US" sz="1400" b="1" i="0" u="none" strike="noStrike" cap="none">
                 <a:solidFill>
                   <a:schemeClr val="dk1"/>
                 </a:solidFill>
@@ -16981,7 +17191,7 @@
               <a:t>Second Year of </a:t>
             </a:r>
             <a:r>
-              <a:rPr lang="en-US" sz="1400" b="1" i="0" u="none" strike="noStrike" cap="none" dirty="0">
+              <a:rPr lang="en-US" sz="1400" b="1" i="0" u="none" strike="noStrike" cap="none">
                 <a:solidFill>
                   <a:srgbClr val="00B0F0"/>
                 </a:solidFill>
@@ -16993,7 +17203,7 @@
               <a:t>E &amp;TC Engineering </a:t>
             </a:r>
             <a:r>
-              <a:rPr lang="en-US" sz="1400" b="1" i="0" u="none" strike="noStrike" cap="none" dirty="0">
+              <a:rPr lang="en-US" sz="1400" b="1" i="0" u="none" strike="noStrike" cap="none">
                 <a:solidFill>
                   <a:schemeClr val="dk1"/>
                 </a:solidFill>
@@ -17004,7 +17214,7 @@
               </a:rPr>
               <a:t>(2019 Course)</a:t>
             </a:r>
-            <a:endParaRPr dirty="0"/>
+            <a:endParaRPr/>
           </a:p>
           <a:p>
             <a:pPr marL="0" marR="0" lvl="0" indent="0" algn="ctr" rtl="0">
@@ -17017,7 +17227,7 @@
               <a:buNone/>
             </a:pPr>
             <a:r>
-              <a:rPr lang="en-US" sz="1600" b="1" dirty="0">
+              <a:rPr lang="en-US" sz="1600" b="1">
                 <a:solidFill>
                   <a:srgbClr val="FF0000"/>
                 </a:solidFill>
@@ -17028,7 +17238,7 @@
               </a:rPr>
               <a:t>204187: Electrical Circuits Lab </a:t>
             </a:r>
-            <a:endParaRPr sz="1600" b="1" dirty="0">
+            <a:endParaRPr sz="1600" b="1">
               <a:solidFill>
                 <a:srgbClr val="FF0000"/>
               </a:solidFill>
@@ -17104,7 +17314,7 @@
               <a:buNone/>
             </a:pPr>
             <a:r>
-              <a:rPr lang="en-US" sz="2400" b="1" u="sng" dirty="0">
+              <a:rPr lang="en-US" sz="3100" b="1" u="sng">
                 <a:solidFill>
                   <a:srgbClr val="990033"/>
                 </a:solidFill>
@@ -17113,9 +17323,9 @@
                 <a:cs typeface="Quattrocento Sans"/>
                 <a:sym typeface="Quattrocento Sans"/>
               </a:rPr>
-              <a:t>EXPERIMENT 1</a:t>
+              <a:t>EXPERIMENT 2</a:t>
             </a:r>
-            <a:endParaRPr dirty="0"/>
+            <a:endParaRPr sz="2100"/>
           </a:p>
           <a:p>
             <a:pPr marL="0" marR="0" lvl="0" indent="0" algn="ctr" rtl="0">
@@ -17127,7 +17337,7 @@
               </a:spcAft>
               <a:buNone/>
             </a:pPr>
-            <a:endParaRPr sz="2400" b="1" u="sng" dirty="0">
+            <a:endParaRPr sz="2400" b="1" u="sng">
               <a:solidFill>
                 <a:srgbClr val="990033"/>
               </a:solidFill>
@@ -17148,7 +17358,7 @@
               <a:buNone/>
             </a:pPr>
             <a:r>
-              <a:rPr lang="en-US" sz="2400" b="1" dirty="0">
+              <a:rPr lang="en-US" sz="3100" b="1">
                 <a:solidFill>
                   <a:srgbClr val="990033"/>
                 </a:solidFill>
@@ -17157,9 +17367,9 @@
                 <a:cs typeface="Quattrocento Sans"/>
                 <a:sym typeface="Quattrocento Sans"/>
               </a:rPr>
-              <a:t>To verify Kirchhoff’s Laws: Kirchhoff’s Current Law, Kirchhoff’s Voltage Law </a:t>
+              <a:t>To study and verify parallel RL &amp; RC Circuits</a:t>
             </a:r>
-            <a:endParaRPr sz="3200" b="0" i="0" u="none" strike="noStrike" cap="none" dirty="0">
+            <a:endParaRPr sz="3900" b="0" i="0" u="none" strike="noStrike" cap="none">
               <a:solidFill>
                 <a:schemeClr val="dk1"/>
               </a:solidFill>
@@ -17199,13 +17409,221 @@
       <p:sp>
         <p:nvSpPr>
           <p:cNvPr id="157" name="Google Shape;157;p21"/>
+          <p:cNvSpPr txBox="1">
+            <a:spLocks noGrp="1"/>
+          </p:cNvSpPr>
+          <p:nvPr>
+            <p:ph type="title"/>
+          </p:nvPr>
+        </p:nvSpPr>
+        <p:spPr>
+          <a:xfrm>
+            <a:off x="1484300" y="685800"/>
+            <a:ext cx="10018800" cy="735300"/>
+          </a:xfrm>
+          <a:prstGeom prst="rect">
+            <a:avLst/>
+          </a:prstGeom>
+        </p:spPr>
+        <p:txBody>
+          <a:bodyPr spcFirstLastPara="1" wrap="square" lIns="91425" tIns="45700" rIns="91425" bIns="45700" anchor="ctr" anchorCtr="0">
+            <a:normAutofit fontScale="90000"/>
+          </a:bodyPr>
+          <a:lstStyle/>
+          <a:p>
+            <a:pPr marL="0" lvl="0" indent="0" algn="l" rtl="0">
+              <a:spcBef>
+                <a:spcPts val="0"/>
+              </a:spcBef>
+              <a:spcAft>
+                <a:spcPts val="0"/>
+              </a:spcAft>
+              <a:buNone/>
+            </a:pPr>
+            <a:r>
+              <a:rPr lang="en-US" sz="4244" b="1">
+                <a:solidFill>
+                  <a:schemeClr val="accent1"/>
+                </a:solidFill>
+              </a:rPr>
+              <a:t>Procedure:</a:t>
+            </a:r>
+            <a:endParaRPr sz="4244" b="1">
+              <a:solidFill>
+                <a:schemeClr val="accent1"/>
+              </a:solidFill>
+            </a:endParaRPr>
+          </a:p>
+          <a:p>
+            <a:pPr marL="0" lvl="0" indent="0" algn="l" rtl="0">
+              <a:spcBef>
+                <a:spcPts val="0"/>
+              </a:spcBef>
+              <a:spcAft>
+                <a:spcPts val="0"/>
+              </a:spcAft>
+              <a:buNone/>
+            </a:pPr>
+            <a:endParaRPr sz="3800" b="1">
+              <a:solidFill>
+                <a:schemeClr val="accent1"/>
+              </a:solidFill>
+            </a:endParaRPr>
+          </a:p>
+          <a:p>
+            <a:pPr marL="0" lvl="0" indent="0" algn="l" rtl="0">
+              <a:spcBef>
+                <a:spcPts val="0"/>
+              </a:spcBef>
+              <a:spcAft>
+                <a:spcPts val="0"/>
+              </a:spcAft>
+              <a:buNone/>
+            </a:pPr>
+            <a:r>
+              <a:rPr lang="en-US" sz="3022" b="1">
+                <a:solidFill>
+                  <a:schemeClr val="accent1"/>
+                </a:solidFill>
+              </a:rPr>
+              <a:t>                 </a:t>
+            </a:r>
+            <a:endParaRPr sz="3022" b="1">
+              <a:solidFill>
+                <a:schemeClr val="accent1"/>
+              </a:solidFill>
+            </a:endParaRPr>
+          </a:p>
+          <a:p>
+            <a:pPr marL="0" lvl="0" indent="0" algn="l" rtl="0">
+              <a:spcBef>
+                <a:spcPts val="0"/>
+              </a:spcBef>
+              <a:spcAft>
+                <a:spcPts val="0"/>
+              </a:spcAft>
+              <a:buNone/>
+            </a:pPr>
+            <a:endParaRPr sz="2550"/>
+          </a:p>
+        </p:txBody>
+      </p:sp>
+      <p:sp>
+        <p:nvSpPr>
+          <p:cNvPr id="158" name="Google Shape;158;p21"/>
+          <p:cNvSpPr txBox="1">
+            <a:spLocks noGrp="1"/>
+          </p:cNvSpPr>
+          <p:nvPr>
+            <p:ph type="body" idx="1"/>
+          </p:nvPr>
+        </p:nvSpPr>
+        <p:spPr>
+          <a:xfrm>
+            <a:off x="1484300" y="776700"/>
+            <a:ext cx="10018800" cy="1289100"/>
+          </a:xfrm>
+          <a:prstGeom prst="rect">
+            <a:avLst/>
+          </a:prstGeom>
+        </p:spPr>
+        <p:txBody>
+          <a:bodyPr spcFirstLastPara="1" wrap="square" lIns="91425" tIns="45700" rIns="91425" bIns="45700" anchor="ctr" anchorCtr="0">
+            <a:normAutofit/>
+          </a:bodyPr>
+          <a:lstStyle/>
+          <a:p>
+            <a:pPr marL="457200" lvl="0" indent="-387350" algn="l" rtl="0">
+              <a:spcBef>
+                <a:spcPts val="360"/>
+              </a:spcBef>
+              <a:spcAft>
+                <a:spcPts val="0"/>
+              </a:spcAft>
+              <a:buSzPts val="2500"/>
+              <a:buFont typeface="Arial"/>
+              <a:buAutoNum type="arabicParenR"/>
+            </a:pPr>
+            <a:r>
+              <a:rPr lang="en-US" sz="2500">
+                <a:latin typeface="Arial"/>
+                <a:ea typeface="Arial"/>
+                <a:cs typeface="Arial"/>
+                <a:sym typeface="Arial"/>
+              </a:rPr>
+              <a:t>Go to the Simulator tab and select RL Parallel Circuit / RC Parallel Circuit.</a:t>
+            </a:r>
+            <a:endParaRPr sz="2500">
+              <a:latin typeface="Arial"/>
+              <a:ea typeface="Arial"/>
+              <a:cs typeface="Arial"/>
+              <a:sym typeface="Arial"/>
+            </a:endParaRPr>
+          </a:p>
+        </p:txBody>
+      </p:sp>
+      <p:pic>
+        <p:nvPicPr>
+          <p:cNvPr id="159" name="Google Shape;159;p21"/>
+          <p:cNvPicPr preferRelativeResize="0"/>
+          <p:nvPr/>
+        </p:nvPicPr>
+        <p:blipFill rotWithShape="1">
+          <a:blip r:embed="rId3">
+            <a:alphaModFix/>
+          </a:blip>
+          <a:srcRect t="42346" r="42902" b="7939"/>
+          <a:stretch/>
+        </p:blipFill>
+        <p:spPr>
+          <a:xfrm>
+            <a:off x="2478800" y="1900550"/>
+            <a:ext cx="9336801" cy="4527800"/>
+          </a:xfrm>
+          <a:prstGeom prst="rect">
+            <a:avLst/>
+          </a:prstGeom>
+          <a:noFill/>
+          <a:ln>
+            <a:noFill/>
+          </a:ln>
+        </p:spPr>
+      </p:pic>
+    </p:spTree>
+  </p:cSld>
+  <p:clrMapOvr>
+    <a:masterClrMapping/>
+  </p:clrMapOvr>
+</p:sld>
+</file>
+
+<file path=ppt/slides/slide4.xml><?xml version="1.0" encoding="utf-8"?>
+<p:sld xmlns:a="http://schemas.openxmlformats.org/drawingml/2006/main" xmlns:r="http://schemas.openxmlformats.org/officeDocument/2006/relationships" xmlns:p="http://schemas.openxmlformats.org/presentationml/2006/main">
+  <p:cSld>
+    <p:spTree>
+      <p:nvGrpSpPr>
+        <p:cNvPr id="1" name="Shape 163"/>
+        <p:cNvGrpSpPr/>
+        <p:nvPr/>
+      </p:nvGrpSpPr>
+      <p:grpSpPr>
+        <a:xfrm>
+          <a:off x="0" y="0"/>
+          <a:ext cx="0" cy="0"/>
+          <a:chOff x="0" y="0"/>
+          <a:chExt cx="0" cy="0"/>
+        </a:xfrm>
+      </p:grpSpPr>
+      <p:sp>
+        <p:nvSpPr>
+          <p:cNvPr id="164" name="Google Shape;164;p22"/>
           <p:cNvSpPr txBox="1"/>
           <p:nvPr/>
         </p:nvSpPr>
         <p:spPr>
           <a:xfrm>
-            <a:off x="2503500" y="208425"/>
-            <a:ext cx="7185000" cy="553968"/>
+            <a:off x="2065675" y="265695"/>
+            <a:ext cx="7185000" cy="769500"/>
           </a:xfrm>
           <a:prstGeom prst="rect">
             <a:avLst/>
@@ -17221,7 +17639,7 @@
           </a:bodyPr>
           <a:lstStyle/>
           <a:p>
-            <a:pPr marL="0" lvl="0" indent="0" algn="ctr" rtl="0">
+            <a:pPr marL="0" lvl="0" indent="0" algn="l" rtl="0">
               <a:spcBef>
                 <a:spcPts val="0"/>
               </a:spcBef>
@@ -17230,21 +17648,13 @@
               </a:spcAft>
               <a:buNone/>
             </a:pPr>
-            <a:r>
-              <a:rPr lang="en-US" sz="2400" b="1" u="sng" dirty="0">
-                <a:solidFill>
-                  <a:srgbClr val="990033"/>
-                </a:solidFill>
-                <a:latin typeface="Quattrocento Sans"/>
-                <a:sym typeface="Corbel"/>
-              </a:rPr>
-              <a:t>Procedure</a:t>
-            </a:r>
-            <a:endParaRPr sz="2400" b="1" u="sng" dirty="0">
+            <a:endParaRPr sz="3800" b="1">
               <a:solidFill>
-                <a:srgbClr val="990033"/>
+                <a:schemeClr val="accent1"/>
               </a:solidFill>
-              <a:latin typeface="Quattrocento Sans"/>
+              <a:latin typeface="Corbel"/>
+              <a:ea typeface="Corbel"/>
+              <a:cs typeface="Corbel"/>
               <a:sym typeface="Corbel"/>
             </a:endParaRPr>
           </a:p>
@@ -17252,7 +17662,7 @@
       </p:sp>
       <p:sp>
         <p:nvSpPr>
-          <p:cNvPr id="158" name="Google Shape;158;p21"/>
+          <p:cNvPr id="165" name="Google Shape;165;p22"/>
           <p:cNvSpPr txBox="1"/>
           <p:nvPr/>
         </p:nvSpPr>
@@ -17295,14 +17705,14 @@
       </p:sp>
       <p:sp>
         <p:nvSpPr>
-          <p:cNvPr id="159" name="Google Shape;159;p21"/>
+          <p:cNvPr id="166" name="Google Shape;166;p22"/>
           <p:cNvSpPr txBox="1"/>
           <p:nvPr/>
         </p:nvSpPr>
         <p:spPr>
           <a:xfrm>
-            <a:off x="1685574" y="939564"/>
-            <a:ext cx="10021003" cy="1292631"/>
+            <a:off x="1735125" y="265700"/>
+            <a:ext cx="9518700" cy="1723800"/>
           </a:xfrm>
           <a:prstGeom prst="rect">
             <a:avLst/>
@@ -17318,27 +17728,23 @@
           </a:bodyPr>
           <a:lstStyle/>
           <a:p>
-            <a:pPr marL="69850" lvl="0" algn="l" rtl="0">
-              <a:spcBef>
-                <a:spcPts val="0"/>
-              </a:spcBef>
-              <a:spcAft>
-                <a:spcPts val="0"/>
-              </a:spcAft>
-              <a:buSzPts val="2500"/>
+            <a:pPr marL="0" lvl="0" indent="0" algn="l" rtl="0">
+              <a:spcBef>
+                <a:spcPts val="0"/>
+              </a:spcBef>
+              <a:spcAft>
+                <a:spcPts val="0"/>
+              </a:spcAft>
+              <a:buNone/>
             </a:pPr>
             <a:r>
-              <a:rPr lang="en-US" sz="2400" dirty="0">
-                <a:latin typeface="Quattrocento Sans" panose="020B0604020202020204" charset="0"/>
-              </a:rPr>
-              <a:t>1)     Set the values of Resistors(R1,R2,R3) and battery (Vin). </a:t>
+              <a:rPr lang="en-US" sz="2500"/>
+              <a:t>2) Set the values of voltage source(Es),frequency(f),Resistor(R) and Inductor(L). </a:t>
             </a:r>
-            <a:endParaRPr sz="2400" dirty="0">
-              <a:latin typeface="Quattrocento Sans" panose="020B0604020202020204" charset="0"/>
-            </a:endParaRPr>
+            <a:endParaRPr sz="2500"/>
           </a:p>
           <a:p>
-            <a:pPr marL="457200" lvl="0" indent="0" algn="l" rtl="0">
+            <a:pPr marL="0" lvl="0" indent="0" algn="l" rtl="0">
               <a:spcBef>
                 <a:spcPts val="0"/>
               </a:spcBef>
@@ -17348,20 +17754,24 @@
               <a:buNone/>
             </a:pPr>
             <a:r>
-              <a:rPr lang="en-US" sz="2400" dirty="0">
-                <a:latin typeface="Quattrocento Sans" panose="020B0604020202020204" charset="0"/>
-              </a:rPr>
-              <a:t>(range for battery voltage is:1V to 300V and Resistors : 1 ohm to 10k ohm)</a:t>
+              <a:rPr lang="en-US" sz="2500"/>
+              <a:t>(</a:t>
             </a:r>
-            <a:endParaRPr sz="2400" dirty="0">
-              <a:latin typeface="Quattrocento Sans" panose="020B0604020202020204" charset="0"/>
-            </a:endParaRPr>
+            <a:r>
+              <a:rPr lang="en-US" sz="2500" b="1"/>
+              <a:t>range</a:t>
+            </a:r>
+            <a:r>
+              <a:rPr lang="en-US" sz="2500"/>
+              <a:t>: voltage:1V to 300V ,Frequency:1 Hz to 300Hz,Resistor : 1 ohm to 10k ohm ,Inductor: upto 1000 Henry)</a:t>
+            </a:r>
+            <a:endParaRPr sz="2500"/>
           </a:p>
         </p:txBody>
       </p:sp>
       <p:sp>
         <p:nvSpPr>
-          <p:cNvPr id="160" name="Google Shape;160;p21"/>
+          <p:cNvPr id="167" name="Google Shape;167;p22"/>
           <p:cNvSpPr txBox="1"/>
           <p:nvPr/>
         </p:nvSpPr>
@@ -17404,7 +17814,7 @@
       </p:sp>
       <p:pic>
         <p:nvPicPr>
-          <p:cNvPr id="161" name="Google Shape;161;p21"/>
+          <p:cNvPr id="168" name="Google Shape;168;p22"/>
           <p:cNvPicPr preferRelativeResize="0"/>
           <p:nvPr/>
         </p:nvPicPr>
@@ -17412,13 +17822,13 @@
           <a:blip r:embed="rId3">
             <a:alphaModFix/>
           </a:blip>
-          <a:srcRect l="12952" t="29165" r="39999" b="32323"/>
+          <a:srcRect l="11821" t="38142" r="37024" b="15137"/>
           <a:stretch/>
         </p:blipFill>
         <p:spPr>
           <a:xfrm>
-            <a:off x="2239175" y="2117025"/>
-            <a:ext cx="8675900" cy="4395076"/>
+            <a:off x="2677100" y="1989500"/>
+            <a:ext cx="8394849" cy="4719775"/>
           </a:xfrm>
           <a:prstGeom prst="rect">
             <a:avLst/>
@@ -17437,12 +17847,12 @@
 </p:sld>
 </file>
 
-<file path=ppt/slides/slide4.xml><?xml version="1.0" encoding="utf-8"?>
+<file path=ppt/slides/slide5.xml><?xml version="1.0" encoding="utf-8"?>
 <p:sld xmlns:a="http://schemas.openxmlformats.org/drawingml/2006/main" xmlns:r="http://schemas.openxmlformats.org/officeDocument/2006/relationships" xmlns:p="http://schemas.openxmlformats.org/presentationml/2006/main">
   <p:cSld>
     <p:spTree>
       <p:nvGrpSpPr>
-        <p:cNvPr id="1" name="Shape 165"/>
+        <p:cNvPr id="1" name="Shape 172"/>
         <p:cNvGrpSpPr/>
         <p:nvPr/>
       </p:nvGrpSpPr>
@@ -17456,7 +17866,7 @@
       </p:grpSpPr>
       <p:sp>
         <p:nvSpPr>
-          <p:cNvPr id="166" name="Google Shape;166;p22"/>
+          <p:cNvPr id="173" name="Google Shape;173;p23"/>
           <p:cNvSpPr/>
           <p:nvPr/>
         </p:nvSpPr>
@@ -17506,14 +17916,14 @@
       </p:sp>
       <p:sp>
         <p:nvSpPr>
-          <p:cNvPr id="167" name="Google Shape;167;p22"/>
+          <p:cNvPr id="174" name="Google Shape;174;p23"/>
           <p:cNvSpPr txBox="1"/>
           <p:nvPr/>
         </p:nvSpPr>
         <p:spPr>
           <a:xfrm>
-            <a:off x="1751200" y="972593"/>
-            <a:ext cx="9320400" cy="923299"/>
+            <a:off x="1751675" y="479225"/>
+            <a:ext cx="9320400" cy="954300"/>
           </a:xfrm>
           <a:prstGeom prst="rect">
             <a:avLst/>
@@ -17539,26 +17949,48 @@
               <a:buNone/>
             </a:pPr>
             <a:r>
-              <a:rPr lang="en-US" sz="2400" dirty="0">
-                <a:latin typeface="Quattrocento Sans" panose="020B0604020202020204" charset="0"/>
-              </a:rPr>
-              <a:t>2) Put the values in Kirchhoff’s equations given. </a:t>
+              <a:rPr lang="en-US" sz="2500"/>
+              <a:t>3) Put the values in equations given. Solve the equations to find current(I</a:t>
             </a:r>
             <a:r>
-              <a:rPr lang="en-US" sz="2400" b="1" dirty="0">
-                <a:latin typeface="Quattrocento Sans" panose="020B0604020202020204" charset="0"/>
-              </a:rPr>
-              <a:t>Solve the equations to find voltage  ,current ,power in each resistor. </a:t>
+              <a:rPr lang="en-US" sz="2500" baseline="-25000"/>
+              <a:t>L</a:t>
             </a:r>
-            <a:endParaRPr sz="2400" b="1" dirty="0">
-              <a:latin typeface="Quattrocento Sans" panose="020B0604020202020204" charset="0"/>
-            </a:endParaRPr>
+            <a:r>
+              <a:rPr lang="en-US" sz="2500"/>
+              <a:t>, I</a:t>
+            </a:r>
+            <a:r>
+              <a:rPr lang="en-US" sz="2500" baseline="-25000"/>
+              <a:t>R</a:t>
+            </a:r>
+            <a:r>
+              <a:rPr lang="en-US" sz="2500"/>
+              <a:t>,I</a:t>
+            </a:r>
+            <a:r>
+              <a:rPr lang="en-US" sz="2500" baseline="-25000"/>
+              <a:t>S </a:t>
+            </a:r>
+            <a:r>
+              <a:rPr lang="en-US" sz="2500"/>
+              <a:t>),reactance(X</a:t>
+            </a:r>
+            <a:r>
+              <a:rPr lang="en-US" sz="2500" baseline="-25000"/>
+              <a:t>L</a:t>
+            </a:r>
+            <a:r>
+              <a:rPr lang="en-US" sz="2500"/>
+              <a:t>),impedance(Z),power(P)=V.I </a:t>
+            </a:r>
+            <a:endParaRPr sz="2500"/>
           </a:p>
         </p:txBody>
       </p:sp>
       <p:sp>
         <p:nvSpPr>
-          <p:cNvPr id="168" name="Google Shape;168;p22"/>
+          <p:cNvPr id="175" name="Google Shape;175;p23"/>
           <p:cNvSpPr txBox="1"/>
           <p:nvPr/>
         </p:nvSpPr>
@@ -17601,7 +18033,7 @@
       </p:sp>
       <p:pic>
         <p:nvPicPr>
-          <p:cNvPr id="169" name="Google Shape;169;p22"/>
+          <p:cNvPr id="176" name="Google Shape;176;p23"/>
           <p:cNvPicPr preferRelativeResize="0"/>
           <p:nvPr/>
         </p:nvPicPr>
@@ -17615,199 +18047,8 @@
         </p:blipFill>
         <p:spPr>
           <a:xfrm>
-            <a:off x="3360855" y="2199678"/>
-            <a:ext cx="5470290" cy="3228022"/>
-          </a:xfrm>
-          <a:prstGeom prst="rect">
-            <a:avLst/>
-          </a:prstGeom>
-          <a:noFill/>
-          <a:ln>
-            <a:noFill/>
-          </a:ln>
-        </p:spPr>
-      </p:pic>
-    </p:spTree>
-  </p:cSld>
-  <p:clrMapOvr>
-    <a:masterClrMapping/>
-  </p:clrMapOvr>
-</p:sld>
-</file>
-
-<file path=ppt/slides/slide5.xml><?xml version="1.0" encoding="utf-8"?>
-<p:sld xmlns:a="http://schemas.openxmlformats.org/drawingml/2006/main" xmlns:r="http://schemas.openxmlformats.org/officeDocument/2006/relationships" xmlns:p="http://schemas.openxmlformats.org/presentationml/2006/main">
-  <p:cSld>
-    <p:spTree>
-      <p:nvGrpSpPr>
-        <p:cNvPr id="1" name="Shape 173"/>
-        <p:cNvGrpSpPr/>
-        <p:nvPr/>
-      </p:nvGrpSpPr>
-      <p:grpSpPr>
-        <a:xfrm>
-          <a:off x="0" y="0"/>
-          <a:ext cx="0" cy="0"/>
-          <a:chOff x="0" y="0"/>
-          <a:chExt cx="0" cy="0"/>
-        </a:xfrm>
-      </p:grpSpPr>
-      <p:sp>
-        <p:nvSpPr>
-          <p:cNvPr id="174" name="Google Shape;174;p23"/>
-          <p:cNvSpPr/>
-          <p:nvPr/>
-        </p:nvSpPr>
-        <p:spPr>
-          <a:xfrm>
-            <a:off x="2031999" y="751726"/>
-            <a:ext cx="9039654" cy="4338550"/>
-          </a:xfrm>
-          <a:prstGeom prst="rect">
-            <a:avLst/>
-          </a:prstGeom>
-          <a:solidFill>
-            <a:srgbClr val="FFFFFF">
-              <a:alpha val="0"/>
-            </a:srgbClr>
-          </a:solidFill>
-          <a:ln>
-            <a:noFill/>
-          </a:ln>
-        </p:spPr>
-        <p:txBody>
-          <a:bodyPr spcFirstLastPara="1" wrap="square" lIns="91425" tIns="45700" rIns="91425" bIns="45700" anchor="t" anchorCtr="0">
-            <a:noAutofit/>
-          </a:bodyPr>
-          <a:lstStyle/>
-          <a:p>
-            <a:pPr marL="0" marR="0" lvl="0" indent="0" algn="l" rtl="0">
-              <a:spcBef>
-                <a:spcPts val="600"/>
-              </a:spcBef>
-              <a:spcAft>
-                <a:spcPts val="0"/>
-              </a:spcAft>
-              <a:buNone/>
-            </a:pPr>
-            <a:endParaRPr sz="2000" b="1">
-              <a:solidFill>
-                <a:schemeClr val="dk1"/>
-              </a:solidFill>
-              <a:latin typeface="Corbel"/>
-              <a:ea typeface="Corbel"/>
-              <a:cs typeface="Corbel"/>
-              <a:sym typeface="Corbel"/>
-            </a:endParaRPr>
-          </a:p>
-          <a:p>
-            <a:pPr marL="0" marR="0" lvl="0" indent="0" algn="l" rtl="0">
-              <a:spcBef>
-                <a:spcPts val="600"/>
-              </a:spcBef>
-              <a:spcAft>
-                <a:spcPts val="0"/>
-              </a:spcAft>
-              <a:buNone/>
-            </a:pPr>
-            <a:endParaRPr sz="2000" b="1">
-              <a:solidFill>
-                <a:schemeClr val="dk1"/>
-              </a:solidFill>
-              <a:latin typeface="Corbel"/>
-              <a:ea typeface="Corbel"/>
-              <a:cs typeface="Corbel"/>
-              <a:sym typeface="Corbel"/>
-            </a:endParaRPr>
-          </a:p>
-          <a:p>
-            <a:pPr marL="0" marR="0" lvl="0" indent="0" algn="l" rtl="0">
-              <a:spcBef>
-                <a:spcPts val="600"/>
-              </a:spcBef>
-              <a:spcAft>
-                <a:spcPts val="0"/>
-              </a:spcAft>
-              <a:buNone/>
-            </a:pPr>
-            <a:endParaRPr sz="2000" b="1">
-              <a:solidFill>
-                <a:schemeClr val="dk1"/>
-              </a:solidFill>
-              <a:latin typeface="Corbel"/>
-              <a:ea typeface="Corbel"/>
-              <a:cs typeface="Corbel"/>
-              <a:sym typeface="Corbel"/>
-            </a:endParaRPr>
-          </a:p>
-        </p:txBody>
-      </p:sp>
-      <p:sp>
-        <p:nvSpPr>
-          <p:cNvPr id="175" name="Google Shape;175;p23"/>
-          <p:cNvSpPr txBox="1"/>
-          <p:nvPr/>
-        </p:nvSpPr>
-        <p:spPr>
-          <a:xfrm>
-            <a:off x="1792476" y="1291659"/>
-            <a:ext cx="9518700" cy="553968"/>
-          </a:xfrm>
-          <a:prstGeom prst="rect">
-            <a:avLst/>
-          </a:prstGeom>
-          <a:noFill/>
-          <a:ln>
-            <a:noFill/>
-          </a:ln>
-        </p:spPr>
-        <p:txBody>
-          <a:bodyPr spcFirstLastPara="1" wrap="square" lIns="91425" tIns="91425" rIns="91425" bIns="91425" anchor="t" anchorCtr="0">
-            <a:spAutoFit/>
-          </a:bodyPr>
-          <a:lstStyle/>
-          <a:p>
-            <a:r>
-              <a:rPr lang="en-US" sz="2400" dirty="0">
-                <a:latin typeface="Quattrocento Sans" panose="020B0604020202020204" charset="0"/>
-              </a:rPr>
-              <a:t>3) </a:t>
-            </a:r>
-            <a:r>
-              <a:rPr lang="en-US" sz="2400" b="1" dirty="0">
-                <a:latin typeface="Quattrocento Sans" panose="020B0604020202020204" charset="0"/>
-              </a:rPr>
-              <a:t>Put the values which you have calculated </a:t>
-            </a:r>
-            <a:r>
-              <a:rPr lang="en-US" sz="2400" dirty="0">
-                <a:latin typeface="Quattrocento Sans" panose="020B0604020202020204" charset="0"/>
-              </a:rPr>
-              <a:t>in tabular form as shown.</a:t>
-            </a:r>
-            <a:endParaRPr sz="2400" dirty="0">
-              <a:latin typeface="Quattrocento Sans" panose="020B0604020202020204" charset="0"/>
-            </a:endParaRPr>
-          </a:p>
-        </p:txBody>
-      </p:sp>
-      <p:pic>
-        <p:nvPicPr>
-          <p:cNvPr id="176" name="Google Shape;176;p23"/>
-          <p:cNvPicPr preferRelativeResize="0"/>
-          <p:nvPr/>
-        </p:nvPicPr>
-        <p:blipFill rotWithShape="1">
-          <a:blip r:embed="rId3">
-            <a:alphaModFix/>
-          </a:blip>
-          <a:srcRect l="17892" t="33726" r="33448" b="44093"/>
-          <a:stretch/>
-        </p:blipFill>
-        <p:spPr>
-          <a:xfrm>
-            <a:off x="3441583" y="2216225"/>
-            <a:ext cx="5308834" cy="2062264"/>
+            <a:off x="3671025" y="2082200"/>
+            <a:ext cx="6855600" cy="4263525"/>
           </a:xfrm>
           <a:prstGeom prst="rect">
             <a:avLst/>
@@ -17851,6 +18092,222 @@
         </p:nvSpPr>
         <p:spPr>
           <a:xfrm>
+            <a:off x="2031999" y="751726"/>
+            <a:ext cx="9039654" cy="4338550"/>
+          </a:xfrm>
+          <a:prstGeom prst="rect">
+            <a:avLst/>
+          </a:prstGeom>
+          <a:solidFill>
+            <a:srgbClr val="FFFFFF">
+              <a:alpha val="0"/>
+            </a:srgbClr>
+          </a:solidFill>
+          <a:ln>
+            <a:noFill/>
+          </a:ln>
+        </p:spPr>
+        <p:txBody>
+          <a:bodyPr spcFirstLastPara="1" wrap="square" lIns="91425" tIns="45700" rIns="91425" bIns="45700" anchor="t" anchorCtr="0">
+            <a:noAutofit/>
+          </a:bodyPr>
+          <a:lstStyle/>
+          <a:p>
+            <a:pPr marL="0" marR="0" lvl="0" indent="0" algn="l" rtl="0">
+              <a:spcBef>
+                <a:spcPts val="600"/>
+              </a:spcBef>
+              <a:spcAft>
+                <a:spcPts val="0"/>
+              </a:spcAft>
+              <a:buNone/>
+            </a:pPr>
+            <a:endParaRPr sz="2000" b="1">
+              <a:solidFill>
+                <a:schemeClr val="dk1"/>
+              </a:solidFill>
+              <a:latin typeface="Corbel"/>
+              <a:ea typeface="Corbel"/>
+              <a:cs typeface="Corbel"/>
+              <a:sym typeface="Corbel"/>
+            </a:endParaRPr>
+          </a:p>
+          <a:p>
+            <a:pPr marL="0" marR="0" lvl="0" indent="0" algn="l" rtl="0">
+              <a:spcBef>
+                <a:spcPts val="600"/>
+              </a:spcBef>
+              <a:spcAft>
+                <a:spcPts val="0"/>
+              </a:spcAft>
+              <a:buNone/>
+            </a:pPr>
+            <a:endParaRPr sz="2000" b="1">
+              <a:solidFill>
+                <a:schemeClr val="dk1"/>
+              </a:solidFill>
+              <a:latin typeface="Corbel"/>
+              <a:ea typeface="Corbel"/>
+              <a:cs typeface="Corbel"/>
+              <a:sym typeface="Corbel"/>
+            </a:endParaRPr>
+          </a:p>
+          <a:p>
+            <a:pPr marL="0" marR="0" lvl="0" indent="0" algn="l" rtl="0">
+              <a:spcBef>
+                <a:spcPts val="600"/>
+              </a:spcBef>
+              <a:spcAft>
+                <a:spcPts val="0"/>
+              </a:spcAft>
+              <a:buNone/>
+            </a:pPr>
+            <a:endParaRPr sz="2000" b="1">
+              <a:solidFill>
+                <a:schemeClr val="dk1"/>
+              </a:solidFill>
+              <a:latin typeface="Corbel"/>
+              <a:ea typeface="Corbel"/>
+              <a:cs typeface="Corbel"/>
+              <a:sym typeface="Corbel"/>
+            </a:endParaRPr>
+          </a:p>
+        </p:txBody>
+      </p:sp>
+      <p:sp>
+        <p:nvSpPr>
+          <p:cNvPr id="182" name="Google Shape;182;p24"/>
+          <p:cNvSpPr txBox="1"/>
+          <p:nvPr/>
+        </p:nvSpPr>
+        <p:spPr>
+          <a:xfrm>
+            <a:off x="1792475" y="351525"/>
+            <a:ext cx="9518700" cy="2108700"/>
+          </a:xfrm>
+          <a:prstGeom prst="rect">
+            <a:avLst/>
+          </a:prstGeom>
+          <a:noFill/>
+          <a:ln>
+            <a:noFill/>
+          </a:ln>
+        </p:spPr>
+        <p:txBody>
+          <a:bodyPr spcFirstLastPara="1" wrap="square" lIns="91425" tIns="91425" rIns="91425" bIns="91425" anchor="t" anchorCtr="0">
+            <a:spAutoFit/>
+          </a:bodyPr>
+          <a:lstStyle/>
+          <a:p>
+            <a:pPr marL="0" lvl="0" indent="0" algn="l" rtl="0">
+              <a:spcBef>
+                <a:spcPts val="0"/>
+              </a:spcBef>
+              <a:spcAft>
+                <a:spcPts val="0"/>
+              </a:spcAft>
+              <a:buNone/>
+            </a:pPr>
+            <a:r>
+              <a:rPr lang="en-US" sz="2500"/>
+              <a:t>4) Put the values which you have calculated in tabular form as shown.</a:t>
+            </a:r>
+            <a:endParaRPr sz="2500"/>
+          </a:p>
+          <a:p>
+            <a:pPr marL="0" lvl="0" indent="0" algn="l" rtl="0">
+              <a:spcBef>
+                <a:spcPts val="0"/>
+              </a:spcBef>
+              <a:spcAft>
+                <a:spcPts val="0"/>
+              </a:spcAft>
+              <a:buNone/>
+            </a:pPr>
+            <a:r>
+              <a:rPr lang="en-US" sz="2500" b="1"/>
+              <a:t>NOTE:i) If your answer is less than 1,then round it off upto 5 decimal places.</a:t>
+            </a:r>
+            <a:endParaRPr sz="2500" b="1"/>
+          </a:p>
+          <a:p>
+            <a:pPr marL="0" lvl="0" indent="0" algn="l" rtl="0">
+              <a:spcBef>
+                <a:spcPts val="0"/>
+              </a:spcBef>
+              <a:spcAft>
+                <a:spcPts val="0"/>
+              </a:spcAft>
+              <a:buNone/>
+            </a:pPr>
+            <a:r>
+              <a:rPr lang="en-US" sz="2500" b="1"/>
+              <a:t>ii) No need to calculate voltage and resistance as it is given.</a:t>
+            </a:r>
+            <a:endParaRPr sz="2500" b="1"/>
+          </a:p>
+        </p:txBody>
+      </p:sp>
+      <p:pic>
+        <p:nvPicPr>
+          <p:cNvPr id="183" name="Google Shape;183;p24"/>
+          <p:cNvPicPr preferRelativeResize="0"/>
+          <p:nvPr/>
+        </p:nvPicPr>
+        <p:blipFill rotWithShape="1">
+          <a:blip r:embed="rId3">
+            <a:alphaModFix/>
+          </a:blip>
+          <a:srcRect l="12012" t="49388" r="33951" b="26938"/>
+          <a:stretch/>
+        </p:blipFill>
+        <p:spPr>
+          <a:xfrm>
+            <a:off x="2673300" y="2363125"/>
+            <a:ext cx="9518701" cy="4197425"/>
+          </a:xfrm>
+          <a:prstGeom prst="rect">
+            <a:avLst/>
+          </a:prstGeom>
+          <a:noFill/>
+          <a:ln>
+            <a:noFill/>
+          </a:ln>
+        </p:spPr>
+      </p:pic>
+    </p:spTree>
+  </p:cSld>
+  <p:clrMapOvr>
+    <a:masterClrMapping/>
+  </p:clrMapOvr>
+</p:sld>
+</file>
+
+<file path=ppt/slides/slide7.xml><?xml version="1.0" encoding="utf-8"?>
+<p:sld xmlns:a="http://schemas.openxmlformats.org/drawingml/2006/main" xmlns:r="http://schemas.openxmlformats.org/officeDocument/2006/relationships" xmlns:p="http://schemas.openxmlformats.org/presentationml/2006/main">
+  <p:cSld>
+    <p:spTree>
+      <p:nvGrpSpPr>
+        <p:cNvPr id="1" name="Shape 187"/>
+        <p:cNvGrpSpPr/>
+        <p:nvPr/>
+      </p:nvGrpSpPr>
+      <p:grpSpPr>
+        <a:xfrm>
+          <a:off x="0" y="0"/>
+          <a:ext cx="0" cy="0"/>
+          <a:chOff x="0" y="0"/>
+          <a:chExt cx="0" cy="0"/>
+        </a:xfrm>
+      </p:grpSpPr>
+      <p:sp>
+        <p:nvSpPr>
+          <p:cNvPr id="188" name="Google Shape;188;p25"/>
+          <p:cNvSpPr/>
+          <p:nvPr/>
+        </p:nvSpPr>
+        <p:spPr>
+          <a:xfrm>
             <a:off x="2156176" y="1145822"/>
             <a:ext cx="9039654" cy="4338550"/>
           </a:xfrm>
@@ -17895,7 +18352,7 @@
       </p:sp>
       <p:sp>
         <p:nvSpPr>
-          <p:cNvPr id="182" name="Google Shape;182;p24"/>
+          <p:cNvPr id="189" name="Google Shape;189;p25"/>
           <p:cNvSpPr txBox="1"/>
           <p:nvPr/>
         </p:nvSpPr>
@@ -17933,7 +18390,7 @@
       </p:sp>
       <p:sp>
         <p:nvSpPr>
-          <p:cNvPr id="183" name="Google Shape;183;p24"/>
+          <p:cNvPr id="190" name="Google Shape;190;p25"/>
           <p:cNvSpPr txBox="1"/>
           <p:nvPr/>
         </p:nvSpPr>
@@ -17956,37 +18413,50 @@
           </a:bodyPr>
           <a:lstStyle/>
           <a:p>
-            <a:pPr marL="0" lvl="0" indent="0">
-              <a:buFont typeface="Arial"/>
+            <a:pPr marL="0" lvl="0" indent="0" algn="l" rtl="0">
+              <a:spcBef>
+                <a:spcPts val="0"/>
+              </a:spcBef>
+              <a:spcAft>
+                <a:spcPts val="0"/>
+              </a:spcAft>
               <a:buNone/>
             </a:pPr>
             <a:r>
-              <a:rPr lang="en-US" sz="2400" dirty="0">
-                <a:latin typeface="Quattrocento Sans" panose="020B0604020202020204" charset="0"/>
-              </a:rPr>
-              <a:t>4) Click on </a:t>
+              <a:rPr lang="en-US" sz="2500"/>
+              <a:t>5) Click on </a:t>
             </a:r>
             <a:r>
-              <a:rPr lang="en-US" sz="2400" b="1" dirty="0">
-                <a:latin typeface="Quattrocento Sans" panose="020B0604020202020204" charset="0"/>
-              </a:rPr>
-              <a:t>Verify Voltage ,Verify Current ,Verify Power</a:t>
+              <a:rPr lang="en-US" sz="2500" b="1"/>
+              <a:t>Verify Reactance/Impedance</a:t>
             </a:r>
             <a:r>
-              <a:rPr lang="en-US" sz="2400" dirty="0">
-                <a:latin typeface="Quattrocento Sans" panose="020B0604020202020204" charset="0"/>
-              </a:rPr>
-              <a:t> buttons to verify your answers.</a:t>
+              <a:rPr lang="en-US" sz="2500"/>
+              <a:t> ,</a:t>
             </a:r>
-            <a:endParaRPr sz="2400" dirty="0">
-              <a:latin typeface="Quattrocento Sans" panose="020B0604020202020204" charset="0"/>
-            </a:endParaRPr>
+            <a:r>
+              <a:rPr lang="en-US" sz="2500" b="1"/>
+              <a:t>Verify Current</a:t>
+            </a:r>
+            <a:r>
+              <a:rPr lang="en-US" sz="2500"/>
+              <a:t> ,</a:t>
+            </a:r>
+            <a:r>
+              <a:rPr lang="en-US" sz="2500" b="1"/>
+              <a:t>Verify Power </a:t>
+            </a:r>
+            <a:r>
+              <a:rPr lang="en-US" sz="2500"/>
+              <a:t>buttons to verify your answers.</a:t>
+            </a:r>
+            <a:endParaRPr sz="2500"/>
           </a:p>
         </p:txBody>
       </p:sp>
       <p:pic>
         <p:nvPicPr>
-          <p:cNvPr id="184" name="Google Shape;184;p24"/>
+          <p:cNvPr id="191" name="Google Shape;191;p25"/>
           <p:cNvPicPr preferRelativeResize="0"/>
           <p:nvPr/>
         </p:nvPicPr>
@@ -17994,13 +18464,13 @@
           <a:blip r:embed="rId3">
             <a:alphaModFix/>
           </a:blip>
-          <a:srcRect l="17679" t="22638" r="26810" b="30109"/>
+          <a:srcRect l="12332" t="37582" r="33721" b="6969"/>
           <a:stretch/>
         </p:blipFill>
         <p:spPr>
           <a:xfrm>
-            <a:off x="2511675" y="1421174"/>
-            <a:ext cx="8923675" cy="5007176"/>
+            <a:off x="2387525" y="1383950"/>
+            <a:ext cx="9650626" cy="5007176"/>
           </a:xfrm>
           <a:prstGeom prst="rect">
             <a:avLst/>
@@ -18019,12 +18489,12 @@
 </p:sld>
 </file>
 
-<file path=ppt/slides/slide7.xml><?xml version="1.0" encoding="utf-8"?>
+<file path=ppt/slides/slide8.xml><?xml version="1.0" encoding="utf-8"?>
 <p:sld xmlns:a="http://schemas.openxmlformats.org/drawingml/2006/main" xmlns:r="http://schemas.openxmlformats.org/officeDocument/2006/relationships" xmlns:p="http://schemas.openxmlformats.org/presentationml/2006/main">
   <p:cSld>
     <p:spTree>
       <p:nvGrpSpPr>
-        <p:cNvPr id="1" name="Shape 188"/>
+        <p:cNvPr id="1" name="Shape 195"/>
         <p:cNvGrpSpPr/>
         <p:nvPr/>
       </p:nvGrpSpPr>
@@ -18038,7 +18508,7 @@
       </p:grpSpPr>
       <p:sp>
         <p:nvSpPr>
-          <p:cNvPr id="189" name="Google Shape;189;p25"/>
+          <p:cNvPr id="196" name="Google Shape;196;p26"/>
           <p:cNvSpPr/>
           <p:nvPr/>
         </p:nvSpPr>
@@ -18088,7 +18558,7 @@
       </p:sp>
       <p:sp>
         <p:nvSpPr>
-          <p:cNvPr id="190" name="Google Shape;190;p25"/>
+          <p:cNvPr id="197" name="Google Shape;197;p26"/>
           <p:cNvSpPr txBox="1"/>
           <p:nvPr/>
         </p:nvSpPr>
@@ -18111,33 +18581,34 @@
           </a:bodyPr>
           <a:lstStyle/>
           <a:p>
+            <a:pPr marL="0" lvl="0" indent="0" algn="l" rtl="0">
+              <a:spcBef>
+                <a:spcPts val="0"/>
+              </a:spcBef>
+              <a:spcAft>
+                <a:spcPts val="0"/>
+              </a:spcAft>
+              <a:buNone/>
+            </a:pPr>
             <a:r>
-              <a:rPr lang="en-US" sz="2400" dirty="0">
-                <a:latin typeface="Quattrocento Sans" panose="020B0604020202020204" charset="0"/>
-              </a:rPr>
-              <a:t>5) Click on the </a:t>
+              <a:rPr lang="en-US" sz="2500"/>
+              <a:t>6) Click on the </a:t>
             </a:r>
             <a:r>
-              <a:rPr lang="en-US" sz="2400" b="1" dirty="0">
-                <a:latin typeface="Quattrocento Sans" panose="020B0604020202020204" charset="0"/>
-              </a:rPr>
-              <a:t>Click here to see answer button </a:t>
+              <a:rPr lang="en-US" sz="2500" b="1"/>
+              <a:t>Click here to see answer </a:t>
             </a:r>
             <a:r>
-              <a:rPr lang="en-US" sz="2400" dirty="0">
-                <a:latin typeface="Quattrocento Sans" panose="020B0604020202020204" charset="0"/>
-              </a:rPr>
-              <a:t>to see correct answers if you want. Answers will be displayed in the table.</a:t>
+              <a:rPr lang="en-US" sz="2500"/>
+              <a:t>button to see correct answers if you want. Answers will be displayed in the table.</a:t>
             </a:r>
-            <a:endParaRPr sz="2400" dirty="0">
-              <a:latin typeface="Quattrocento Sans" panose="020B0604020202020204" charset="0"/>
-            </a:endParaRPr>
+            <a:endParaRPr sz="2500"/>
           </a:p>
         </p:txBody>
       </p:sp>
       <p:pic>
         <p:nvPicPr>
-          <p:cNvPr id="191" name="Google Shape;191;p25"/>
+          <p:cNvPr id="198" name="Google Shape;198;p26"/>
           <p:cNvPicPr preferRelativeResize="0"/>
           <p:nvPr/>
         </p:nvPicPr>
@@ -18145,13 +18616,117 @@
           <a:blip r:embed="rId3">
             <a:alphaModFix/>
           </a:blip>
-          <a:srcRect l="20466" t="54461" r="34533" b="5038"/>
+          <a:srcRect l="12195" t="37823" r="34127" b="6487"/>
           <a:stretch/>
         </p:blipFill>
         <p:spPr>
           <a:xfrm>
-            <a:off x="2184508" y="1259725"/>
-            <a:ext cx="9039654" cy="4915442"/>
+            <a:off x="2359375" y="1259725"/>
+            <a:ext cx="9799824" cy="5457525"/>
+          </a:xfrm>
+          <a:prstGeom prst="rect">
+            <a:avLst/>
+          </a:prstGeom>
+          <a:noFill/>
+          <a:ln>
+            <a:noFill/>
+          </a:ln>
+        </p:spPr>
+      </p:pic>
+    </p:spTree>
+  </p:cSld>
+  <p:clrMapOvr>
+    <a:masterClrMapping/>
+  </p:clrMapOvr>
+</p:sld>
+</file>
+
+<file path=ppt/slides/slide9.xml><?xml version="1.0" encoding="utf-8"?>
+<p:sld xmlns:a="http://schemas.openxmlformats.org/drawingml/2006/main" xmlns:r="http://schemas.openxmlformats.org/officeDocument/2006/relationships" xmlns:p="http://schemas.openxmlformats.org/presentationml/2006/main">
+  <p:cSld>
+    <p:spTree>
+      <p:nvGrpSpPr>
+        <p:cNvPr id="1" name="Shape 202"/>
+        <p:cNvGrpSpPr/>
+        <p:nvPr/>
+      </p:nvGrpSpPr>
+      <p:grpSpPr>
+        <a:xfrm>
+          <a:off x="0" y="0"/>
+          <a:ext cx="0" cy="0"/>
+          <a:chOff x="0" y="0"/>
+          <a:chExt cx="0" cy="0"/>
+        </a:xfrm>
+      </p:grpSpPr>
+      <p:sp>
+        <p:nvSpPr>
+          <p:cNvPr id="203" name="Google Shape;203;p27"/>
+          <p:cNvSpPr txBox="1">
+            <a:spLocks noGrp="1"/>
+          </p:cNvSpPr>
+          <p:nvPr>
+            <p:ph type="title"/>
+          </p:nvPr>
+        </p:nvSpPr>
+        <p:spPr>
+          <a:xfrm>
+            <a:off x="1484300" y="685800"/>
+            <a:ext cx="10018800" cy="768300"/>
+          </a:xfrm>
+          <a:prstGeom prst="rect">
+            <a:avLst/>
+          </a:prstGeom>
+        </p:spPr>
+        <p:txBody>
+          <a:bodyPr spcFirstLastPara="1" wrap="square" lIns="91425" tIns="45700" rIns="91425" bIns="45700" anchor="ctr" anchorCtr="0">
+            <a:normAutofit/>
+          </a:bodyPr>
+          <a:lstStyle/>
+          <a:p>
+            <a:pPr marL="0" lvl="0" indent="0" algn="l" rtl="0">
+              <a:spcBef>
+                <a:spcPts val="0"/>
+              </a:spcBef>
+              <a:spcAft>
+                <a:spcPts val="0"/>
+              </a:spcAft>
+              <a:buNone/>
+            </a:pPr>
+            <a:r>
+              <a:rPr lang="en-US" sz="2400">
+                <a:latin typeface="Arial"/>
+                <a:ea typeface="Arial"/>
+                <a:cs typeface="Arial"/>
+                <a:sym typeface="Arial"/>
+              </a:rPr>
+              <a:t>7) Repeat the same procedure for RC parallel circuit.</a:t>
+            </a:r>
+            <a:endParaRPr sz="2400">
+              <a:latin typeface="Arial"/>
+              <a:ea typeface="Arial"/>
+              <a:cs typeface="Arial"/>
+              <a:sym typeface="Arial"/>
+            </a:endParaRPr>
+          </a:p>
+        </p:txBody>
+      </p:sp>
+      <p:pic>
+        <p:nvPicPr>
+          <p:cNvPr id="204" name="Google Shape;204;p27"/>
+          <p:cNvPicPr preferRelativeResize="0"/>
+          <p:nvPr/>
+        </p:nvPicPr>
+        <p:blipFill rotWithShape="1">
+          <a:blip r:embed="rId3">
+            <a:alphaModFix/>
+          </a:blip>
+          <a:srcRect t="8893" r="16638" b="5760"/>
+          <a:stretch/>
+        </p:blipFill>
+        <p:spPr>
+          <a:xfrm>
+            <a:off x="1896750" y="1454100"/>
+            <a:ext cx="10295248" cy="5189075"/>
           </a:xfrm>
           <a:prstGeom prst="rect">
             <a:avLst/>

--- a/exp2/theoryimage/Procedure.pptx
+++ b/exp2/theoryimage/Procedure.pptx
@@ -5,7 +5,7 @@
     <p:sldMasterId id="2147483665" r:id="rId1"/>
   </p:sldMasterIdLst>
   <p:notesMasterIdLst>
-    <p:notesMasterId r:id="rId11"/>
+    <p:notesMasterId r:id="rId9"/>
   </p:notesMasterIdLst>
   <p:sldIdLst>
     <p:sldId id="256" r:id="rId2"/>
@@ -15,25 +15,23 @@
     <p:sldId id="260" r:id="rId6"/>
     <p:sldId id="261" r:id="rId7"/>
     <p:sldId id="262" r:id="rId8"/>
-    <p:sldId id="263" r:id="rId9"/>
-    <p:sldId id="264" r:id="rId10"/>
   </p:sldIdLst>
   <p:sldSz cx="12192000" cy="6858000"/>
   <p:notesSz cx="6858000" cy="9144000"/>
   <p:embeddedFontLst>
     <p:embeddedFont>
       <p:font typeface="Corbel" panose="020B0503020204020204" pitchFamily="34" charset="0"/>
-      <p:regular r:id="rId12"/>
-      <p:bold r:id="rId13"/>
-      <p:italic r:id="rId14"/>
-      <p:boldItalic r:id="rId15"/>
+      <p:regular r:id="rId10"/>
+      <p:bold r:id="rId11"/>
+      <p:italic r:id="rId12"/>
+      <p:boldItalic r:id="rId13"/>
     </p:embeddedFont>
     <p:embeddedFont>
       <p:font typeface="Quattrocento Sans" panose="020B0604020202020204" charset="0"/>
-      <p:regular r:id="rId16"/>
-      <p:bold r:id="rId17"/>
-      <p:italic r:id="rId18"/>
-      <p:boldItalic r:id="rId19"/>
+      <p:regular r:id="rId14"/>
+      <p:bold r:id="rId15"/>
+      <p:italic r:id="rId16"/>
+      <p:boldItalic r:id="rId17"/>
     </p:embeddedFont>
   </p:embeddedFontLst>
   <p:defaultTextStyle>
@@ -265,6 +263,11 @@
       </a:defRPr>
     </a:lvl9pPr>
   </p:defaultTextStyle>
+  <p:extLst>
+    <p:ext uri="{EFAFB233-063F-42B5-8137-9DF3F51BA10A}">
+      <p15:sldGuideLst xmlns:p15="http://schemas.microsoft.com/office/powerpoint/2012/main"/>
+    </p:ext>
+  </p:extLst>
 </p:presentation>
 </file>
 
@@ -1428,214 +1431,6 @@
             </a:pathLst>
           </a:custGeom>
         </p:spPr>
-      </p:sp>
-    </p:spTree>
-  </p:cSld>
-  <p:clrMapOvr>
-    <a:masterClrMapping/>
-  </p:clrMapOvr>
-</p:notes>
-</file>
-
-<file path=ppt/notesSlides/notesSlide8.xml><?xml version="1.0" encoding="utf-8"?>
-<p:notes xmlns:a="http://schemas.openxmlformats.org/drawingml/2006/main" xmlns:r="http://schemas.openxmlformats.org/officeDocument/2006/relationships" xmlns:p="http://schemas.openxmlformats.org/presentationml/2006/main" showMasterSp="0" showMasterPhAnim="0">
-  <p:cSld>
-    <p:spTree>
-      <p:nvGrpSpPr>
-        <p:cNvPr id="1" name="Shape 192"/>
-        <p:cNvGrpSpPr/>
-        <p:nvPr/>
-      </p:nvGrpSpPr>
-      <p:grpSpPr>
-        <a:xfrm>
-          <a:off x="0" y="0"/>
-          <a:ext cx="0" cy="0"/>
-          <a:chOff x="0" y="0"/>
-          <a:chExt cx="0" cy="0"/>
-        </a:xfrm>
-      </p:grpSpPr>
-      <p:sp>
-        <p:nvSpPr>
-          <p:cNvPr id="193" name="Google Shape;193;p9:notes"/>
-          <p:cNvSpPr txBox="1">
-            <a:spLocks noGrp="1"/>
-          </p:cNvSpPr>
-          <p:nvPr>
-            <p:ph type="body" idx="1"/>
-          </p:nvPr>
-        </p:nvSpPr>
-        <p:spPr>
-          <a:xfrm>
-            <a:off x="685800" y="4343400"/>
-            <a:ext cx="5486400" cy="4114800"/>
-          </a:xfrm>
-          <a:prstGeom prst="rect">
-            <a:avLst/>
-          </a:prstGeom>
-        </p:spPr>
-        <p:txBody>
-          <a:bodyPr spcFirstLastPara="1" wrap="square" lIns="91425" tIns="91425" rIns="91425" bIns="91425" anchor="t" anchorCtr="0">
-            <a:noAutofit/>
-          </a:bodyPr>
-          <a:lstStyle/>
-          <a:p>
-            <a:pPr marL="0" lvl="0" indent="0" algn="l" rtl="0">
-              <a:spcBef>
-                <a:spcPts val="0"/>
-              </a:spcBef>
-              <a:spcAft>
-                <a:spcPts val="0"/>
-              </a:spcAft>
-              <a:buNone/>
-            </a:pPr>
-            <a:endParaRPr/>
-          </a:p>
-        </p:txBody>
-      </p:sp>
-      <p:sp>
-        <p:nvSpPr>
-          <p:cNvPr id="194" name="Google Shape;194;p9:notes"/>
-          <p:cNvSpPr>
-            <a:spLocks noGrp="1" noRot="1" noChangeAspect="1"/>
-          </p:cNvSpPr>
-          <p:nvPr>
-            <p:ph type="sldImg" idx="2"/>
-          </p:nvPr>
-        </p:nvSpPr>
-        <p:spPr>
-          <a:xfrm>
-            <a:off x="381000" y="685800"/>
-            <a:ext cx="6096000" cy="3429000"/>
-          </a:xfrm>
-          <a:custGeom>
-            <a:avLst/>
-            <a:gdLst/>
-            <a:ahLst/>
-            <a:cxnLst/>
-            <a:rect l="l" t="t" r="r" b="b"/>
-            <a:pathLst>
-              <a:path w="120000" h="120000" extrusionOk="0">
-                <a:moveTo>
-                  <a:pt x="0" y="0"/>
-                </a:moveTo>
-                <a:lnTo>
-                  <a:pt x="120000" y="0"/>
-                </a:lnTo>
-                <a:lnTo>
-                  <a:pt x="120000" y="120000"/>
-                </a:lnTo>
-                <a:lnTo>
-                  <a:pt x="0" y="120000"/>
-                </a:lnTo>
-                <a:close/>
-              </a:path>
-            </a:pathLst>
-          </a:custGeom>
-        </p:spPr>
-      </p:sp>
-    </p:spTree>
-  </p:cSld>
-  <p:clrMapOvr>
-    <a:masterClrMapping/>
-  </p:clrMapOvr>
-</p:notes>
-</file>
-
-<file path=ppt/notesSlides/notesSlide9.xml><?xml version="1.0" encoding="utf-8"?>
-<p:notes xmlns:a="http://schemas.openxmlformats.org/drawingml/2006/main" xmlns:r="http://schemas.openxmlformats.org/officeDocument/2006/relationships" xmlns:p="http://schemas.openxmlformats.org/presentationml/2006/main" showMasterSp="0" showMasterPhAnim="0">
-  <p:cSld>
-    <p:spTree>
-      <p:nvGrpSpPr>
-        <p:cNvPr id="1" name="Shape 199"/>
-        <p:cNvGrpSpPr/>
-        <p:nvPr/>
-      </p:nvGrpSpPr>
-      <p:grpSpPr>
-        <a:xfrm>
-          <a:off x="0" y="0"/>
-          <a:ext cx="0" cy="0"/>
-          <a:chOff x="0" y="0"/>
-          <a:chExt cx="0" cy="0"/>
-        </a:xfrm>
-      </p:grpSpPr>
-      <p:sp>
-        <p:nvSpPr>
-          <p:cNvPr id="200" name="Google Shape;200;g10c5e81c8c0_1_12:notes"/>
-          <p:cNvSpPr>
-            <a:spLocks noGrp="1" noRot="1" noChangeAspect="1"/>
-          </p:cNvSpPr>
-          <p:nvPr>
-            <p:ph type="sldImg" idx="2"/>
-          </p:nvPr>
-        </p:nvSpPr>
-        <p:spPr>
-          <a:xfrm>
-            <a:off x="381000" y="685800"/>
-            <a:ext cx="6096000" cy="3429000"/>
-          </a:xfrm>
-          <a:custGeom>
-            <a:avLst/>
-            <a:gdLst/>
-            <a:ahLst/>
-            <a:cxnLst/>
-            <a:rect l="l" t="t" r="r" b="b"/>
-            <a:pathLst>
-              <a:path w="120000" h="120000" extrusionOk="0">
-                <a:moveTo>
-                  <a:pt x="0" y="0"/>
-                </a:moveTo>
-                <a:lnTo>
-                  <a:pt x="120000" y="0"/>
-                </a:lnTo>
-                <a:lnTo>
-                  <a:pt x="120000" y="120000"/>
-                </a:lnTo>
-                <a:lnTo>
-                  <a:pt x="0" y="120000"/>
-                </a:lnTo>
-                <a:close/>
-              </a:path>
-            </a:pathLst>
-          </a:custGeom>
-        </p:spPr>
-      </p:sp>
-      <p:sp>
-        <p:nvSpPr>
-          <p:cNvPr id="201" name="Google Shape;201;g10c5e81c8c0_1_12:notes"/>
-          <p:cNvSpPr txBox="1">
-            <a:spLocks noGrp="1"/>
-          </p:cNvSpPr>
-          <p:nvPr>
-            <p:ph type="body" idx="1"/>
-          </p:nvPr>
-        </p:nvSpPr>
-        <p:spPr>
-          <a:xfrm>
-            <a:off x="685800" y="4343400"/>
-            <a:ext cx="5486400" cy="4114800"/>
-          </a:xfrm>
-          <a:prstGeom prst="rect">
-            <a:avLst/>
-          </a:prstGeom>
-        </p:spPr>
-        <p:txBody>
-          <a:bodyPr spcFirstLastPara="1" wrap="square" lIns="91425" tIns="91425" rIns="91425" bIns="91425" anchor="t" anchorCtr="0">
-            <a:noAutofit/>
-          </a:bodyPr>
-          <a:lstStyle/>
-          <a:p>
-            <a:pPr marL="0" lvl="0" indent="0" algn="l" rtl="0">
-              <a:spcBef>
-                <a:spcPts val="0"/>
-              </a:spcBef>
-              <a:spcAft>
-                <a:spcPts val="0"/>
-              </a:spcAft>
-              <a:buNone/>
-            </a:pPr>
-            <a:endParaRPr/>
-          </a:p>
-        </p:txBody>
       </p:sp>
     </p:spTree>
   </p:cSld>
@@ -16715,7 +16510,7 @@
               <a:buNone/>
             </a:pPr>
             <a:r>
-              <a:rPr lang="en-US" sz="1400" b="1" i="0" u="none" strike="noStrike" cap="none">
+              <a:rPr lang="en-US" sz="1400" b="1" i="0" u="none" strike="noStrike" cap="none" dirty="0">
                 <a:solidFill>
                   <a:srgbClr val="990033"/>
                 </a:solidFill>
@@ -16726,7 +16521,7 @@
               </a:rPr>
               <a:t>Dr. D. Y. Patil Unitech Society</a:t>
             </a:r>
-            <a:endParaRPr sz="1400" b="1" i="0" u="none" strike="noStrike" cap="none">
+            <a:endParaRPr sz="1400" b="1" i="0" u="none" strike="noStrike" cap="none" dirty="0">
               <a:solidFill>
                 <a:srgbClr val="990033"/>
               </a:solidFill>
@@ -16747,7 +16542,7 @@
               <a:buNone/>
             </a:pPr>
             <a:r>
-              <a:rPr lang="en-US" sz="2000" b="1" i="0" u="none" strike="noStrike" cap="none">
+              <a:rPr lang="en-US" sz="2000" b="1" i="0" u="none" strike="noStrike" cap="none" dirty="0">
                 <a:solidFill>
                   <a:srgbClr val="990033"/>
                 </a:solidFill>
@@ -16758,7 +16553,7 @@
               </a:rPr>
               <a:t>DR. D. Y. PATIL INSTITUTE OF TECHNOLOGY</a:t>
             </a:r>
-            <a:endParaRPr/>
+            <a:endParaRPr dirty="0"/>
           </a:p>
           <a:p>
             <a:pPr marL="0" marR="0" lvl="0" indent="0" algn="ctr" rtl="0">
@@ -16771,7 +16566,7 @@
               <a:buNone/>
             </a:pPr>
             <a:r>
-              <a:rPr lang="en-US" sz="1400" b="1" i="0" u="none" strike="noStrike" cap="none">
+              <a:rPr lang="en-US" sz="1400" b="1" i="0" u="none" strike="noStrike" cap="none" dirty="0">
                 <a:solidFill>
                   <a:srgbClr val="990033"/>
                 </a:solidFill>
@@ -16782,7 +16577,7 @@
               </a:rPr>
               <a:t>(formerly Dr. D. Y. Patil Institute of Engineering and Technology)</a:t>
             </a:r>
-            <a:endParaRPr/>
+            <a:endParaRPr dirty="0"/>
           </a:p>
           <a:p>
             <a:pPr marL="0" marR="0" lvl="0" indent="0" algn="ctr" rtl="0">
@@ -16795,7 +16590,7 @@
               <a:buNone/>
             </a:pPr>
             <a:r>
-              <a:rPr lang="en-US" sz="1400" b="1" i="0" u="none" strike="noStrike" cap="none">
+              <a:rPr lang="en-US" sz="1400" b="1" i="0" u="none" strike="noStrike" cap="none" dirty="0">
                 <a:solidFill>
                   <a:srgbClr val="990033"/>
                 </a:solidFill>
@@ -16806,7 +16601,7 @@
               </a:rPr>
               <a:t>Sant Tukaram Nagar, Pimpri, Pune.</a:t>
             </a:r>
-            <a:endParaRPr/>
+            <a:endParaRPr dirty="0"/>
           </a:p>
           <a:p>
             <a:pPr marL="0" marR="0" lvl="0" indent="0" algn="ctr" rtl="0">
@@ -16818,7 +16613,7 @@
               </a:spcAft>
               <a:buNone/>
             </a:pPr>
-            <a:endParaRPr sz="1400" b="1" i="0" u="none" strike="noStrike" cap="none">
+            <a:endParaRPr sz="1400" b="1" i="0" u="none" strike="noStrike" cap="none" dirty="0">
               <a:solidFill>
                 <a:srgbClr val="990033"/>
               </a:solidFill>
@@ -16847,7 +16642,7 @@
               <a:buNone/>
             </a:pPr>
             <a:r>
-              <a:rPr lang="en-US" sz="1600" b="1" i="0" u="sng" strike="noStrike" cap="none">
+              <a:rPr lang="en-US" sz="1600" b="1" i="0" u="sng" strike="noStrike" cap="none" dirty="0">
                 <a:solidFill>
                   <a:srgbClr val="990033"/>
                 </a:solidFill>
@@ -16858,7 +16653,7 @@
               </a:rPr>
               <a:t>DEPARTMENT OF ELECTRONICS &amp; TELECOMMUNICATION</a:t>
             </a:r>
-            <a:endParaRPr/>
+            <a:endParaRPr dirty="0"/>
           </a:p>
           <a:p>
             <a:pPr marL="0" marR="0" lvl="0" indent="0" algn="ctr" rtl="0">
@@ -16878,7 +16673,7 @@
               <a:buFont typeface="Corbel"/>
               <a:buNone/>
             </a:pPr>
-            <a:endParaRPr sz="1800" b="0" i="0" u="none" strike="noStrike" cap="none">
+            <a:endParaRPr sz="1800" b="0" i="0" u="none" strike="noStrike" cap="none" dirty="0">
               <a:solidFill>
                 <a:schemeClr val="dk1"/>
               </a:solidFill>
@@ -17283,7 +17078,7 @@
         </p:nvSpPr>
         <p:spPr>
           <a:xfrm>
-            <a:off x="1971284" y="1669963"/>
+            <a:off x="2445417" y="1929607"/>
             <a:ext cx="9039654" cy="2823017"/>
           </a:xfrm>
           <a:prstGeom prst="rect">
@@ -17314,7 +17109,7 @@
               <a:buNone/>
             </a:pPr>
             <a:r>
-              <a:rPr lang="en-US" sz="3100" b="1" u="sng">
+              <a:rPr lang="en-US" sz="3100" b="1" u="sng" dirty="0">
                 <a:solidFill>
                   <a:srgbClr val="990033"/>
                 </a:solidFill>
@@ -17323,9 +17118,21 @@
                 <a:cs typeface="Quattrocento Sans"/>
                 <a:sym typeface="Quattrocento Sans"/>
               </a:rPr>
-              <a:t>EXPERIMENT 2</a:t>
+              <a:t>EXPERIMENT </a:t>
             </a:r>
-            <a:endParaRPr sz="2100"/>
+            <a:r>
+              <a:rPr lang="en-IN" sz="3100" b="1" u="sng" dirty="0">
+                <a:solidFill>
+                  <a:srgbClr val="990033"/>
+                </a:solidFill>
+                <a:latin typeface="Quattrocento Sans"/>
+                <a:ea typeface="Quattrocento Sans"/>
+                <a:cs typeface="Quattrocento Sans"/>
+                <a:sym typeface="Quattrocento Sans"/>
+              </a:rPr>
+              <a:t>3</a:t>
+            </a:r>
+            <a:endParaRPr sz="2100" dirty="0"/>
           </a:p>
           <a:p>
             <a:pPr marL="0" marR="0" lvl="0" indent="0" algn="ctr" rtl="0">
@@ -17337,7 +17144,7 @@
               </a:spcAft>
               <a:buNone/>
             </a:pPr>
-            <a:endParaRPr sz="2400" b="1" u="sng">
+            <a:endParaRPr sz="2400" b="1" u="sng" dirty="0">
               <a:solidFill>
                 <a:srgbClr val="990033"/>
               </a:solidFill>
@@ -17348,17 +17155,13 @@
             </a:endParaRPr>
           </a:p>
           <a:p>
-            <a:pPr marL="0" marR="0" lvl="0" indent="0" algn="ctr" rtl="0">
-              <a:spcBef>
-                <a:spcPts val="600"/>
-              </a:spcBef>
-              <a:spcAft>
-                <a:spcPts val="0"/>
-              </a:spcAft>
-              <a:buNone/>
+            <a:pPr lvl="0" algn="ctr">
+              <a:spcBef>
+                <a:spcPts val="600"/>
+              </a:spcBef>
             </a:pPr>
             <a:r>
-              <a:rPr lang="en-US" sz="3100" b="1">
+              <a:rPr lang="en-US" sz="3100" b="1" dirty="0">
                 <a:solidFill>
                   <a:srgbClr val="990033"/>
                 </a:solidFill>
@@ -17367,9 +17170,33 @@
                 <a:cs typeface="Quattrocento Sans"/>
                 <a:sym typeface="Quattrocento Sans"/>
               </a:rPr>
-              <a:t>To study and verify parallel RL &amp; RC Circuits</a:t>
+              <a:t>To study the load </a:t>
             </a:r>
-            <a:endParaRPr sz="3900" b="0" i="0" u="none" strike="noStrike" cap="none">
+            <a:r>
+              <a:rPr lang="en-US" sz="3100" b="1" dirty="0" err="1">
+                <a:solidFill>
+                  <a:srgbClr val="990033"/>
+                </a:solidFill>
+                <a:latin typeface="Quattrocento Sans"/>
+                <a:ea typeface="Quattrocento Sans"/>
+                <a:cs typeface="Quattrocento Sans"/>
+                <a:sym typeface="Quattrocento Sans"/>
+              </a:rPr>
+              <a:t>characterstics</a:t>
+            </a:r>
+            <a:r>
+              <a:rPr lang="en-US" sz="3100" b="1" dirty="0">
+                <a:solidFill>
+                  <a:srgbClr val="990033"/>
+                </a:solidFill>
+                <a:latin typeface="Quattrocento Sans"/>
+                <a:ea typeface="Quattrocento Sans"/>
+                <a:cs typeface="Quattrocento Sans"/>
+                <a:sym typeface="Quattrocento Sans"/>
+              </a:rPr>
+              <a:t> of DC Shunt Generator.</a:t>
+            </a:r>
+            <a:endParaRPr sz="3900" b="0" i="0" u="none" strike="noStrike" cap="none" dirty="0">
               <a:solidFill>
                 <a:schemeClr val="dk1"/>
               </a:solidFill>
@@ -17545,15 +17372,15 @@
               <a:buAutoNum type="arabicParenR"/>
             </a:pPr>
             <a:r>
-              <a:rPr lang="en-US" sz="2500">
+              <a:rPr lang="en-US" sz="2500" dirty="0">
                 <a:latin typeface="Arial"/>
                 <a:ea typeface="Arial"/>
                 <a:cs typeface="Arial"/>
                 <a:sym typeface="Arial"/>
               </a:rPr>
-              <a:t>Go to the Simulator tab and select RL Parallel Circuit / RC Parallel Circuit.</a:t>
+              <a:t>Go to the Simulator tab and select Start Simulator</a:t>
             </a:r>
-            <a:endParaRPr sz="2500">
+            <a:endParaRPr sz="2500" dirty="0">
               <a:latin typeface="Arial"/>
               <a:ea typeface="Arial"/>
               <a:cs typeface="Arial"/>
@@ -17564,29 +17391,31 @@
       </p:sp>
       <p:pic>
         <p:nvPicPr>
-          <p:cNvPr id="159" name="Google Shape;159;p21"/>
-          <p:cNvPicPr preferRelativeResize="0"/>
+          <p:cNvPr id="3" name="Picture 2">
+            <a:extLst>
+              <a:ext uri="{FF2B5EF4-FFF2-40B4-BE49-F238E27FC236}">
+                <a16:creationId xmlns:a16="http://schemas.microsoft.com/office/drawing/2014/main" id="{8C5E9ADC-4F41-4882-AE43-AF5DC36D96E3}"/>
+              </a:ext>
+            </a:extLst>
+          </p:cNvPr>
+          <p:cNvPicPr>
+            <a:picLocks noChangeAspect="1"/>
+          </p:cNvPicPr>
           <p:nvPr/>
         </p:nvPicPr>
         <p:blipFill rotWithShape="1">
-          <a:blip r:embed="rId3">
-            <a:alphaModFix/>
-          </a:blip>
-          <a:srcRect t="42346" r="42902" b="7939"/>
+          <a:blip r:embed="rId3"/>
+          <a:srcRect l="19630" t="13955" r="3241" b="5603"/>
           <a:stretch/>
         </p:blipFill>
         <p:spPr>
           <a:xfrm>
-            <a:off x="2478800" y="1900550"/>
-            <a:ext cx="9336801" cy="4527800"/>
+            <a:off x="1791877" y="1715910"/>
+            <a:ext cx="9403645" cy="4805656"/>
           </a:xfrm>
           <a:prstGeom prst="rect">
             <a:avLst/>
           </a:prstGeom>
-          <a:noFill/>
-          <a:ln>
-            <a:noFill/>
-          </a:ln>
         </p:spPr>
       </p:pic>
     </p:spTree>
@@ -17712,7 +17541,7 @@
         <p:spPr>
           <a:xfrm>
             <a:off x="1735125" y="265700"/>
-            <a:ext cx="9518700" cy="1723800"/>
+            <a:ext cx="9518700" cy="569356"/>
           </a:xfrm>
           <a:prstGeom prst="rect">
             <a:avLst/>
@@ -17738,34 +17567,10 @@
               <a:buNone/>
             </a:pPr>
             <a:r>
-              <a:rPr lang="en-US" sz="2500"/>
-              <a:t>2) Set the values of voltage source(Es),frequency(f),Resistor(R) and Inductor(L). </a:t>
+              <a:rPr lang="en-US" sz="2500" dirty="0"/>
+              <a:t>2) Set the Load Bulb and go through the Armature readings.</a:t>
             </a:r>
-            <a:endParaRPr sz="2500"/>
-          </a:p>
-          <a:p>
-            <a:pPr marL="0" lvl="0" indent="0" algn="l" rtl="0">
-              <a:spcBef>
-                <a:spcPts val="0"/>
-              </a:spcBef>
-              <a:spcAft>
-                <a:spcPts val="0"/>
-              </a:spcAft>
-              <a:buNone/>
-            </a:pPr>
-            <a:r>
-              <a:rPr lang="en-US" sz="2500"/>
-              <a:t>(</a:t>
-            </a:r>
-            <a:r>
-              <a:rPr lang="en-US" sz="2500" b="1"/>
-              <a:t>range</a:t>
-            </a:r>
-            <a:r>
-              <a:rPr lang="en-US" sz="2500"/>
-              <a:t>: voltage:1V to 300V ,Frequency:1 Hz to 300Hz,Resistor : 1 ohm to 10k ohm ,Inductor: upto 1000 Henry)</a:t>
-            </a:r>
-            <a:endParaRPr sz="2500"/>
+            <a:endParaRPr sz="2500" dirty="0"/>
           </a:p>
         </p:txBody>
       </p:sp>
@@ -17814,29 +17619,31 @@
       </p:sp>
       <p:pic>
         <p:nvPicPr>
-          <p:cNvPr id="168" name="Google Shape;168;p22"/>
-          <p:cNvPicPr preferRelativeResize="0"/>
+          <p:cNvPr id="3" name="Picture 2">
+            <a:extLst>
+              <a:ext uri="{FF2B5EF4-FFF2-40B4-BE49-F238E27FC236}">
+                <a16:creationId xmlns:a16="http://schemas.microsoft.com/office/drawing/2014/main" id="{CB41F213-B1EB-44BF-8ADC-A9EB5148C6E5}"/>
+              </a:ext>
+            </a:extLst>
+          </p:cNvPr>
+          <p:cNvPicPr>
+            <a:picLocks noChangeAspect="1"/>
+          </p:cNvPicPr>
           <p:nvPr/>
         </p:nvPicPr>
         <p:blipFill rotWithShape="1">
-          <a:blip r:embed="rId3">
-            <a:alphaModFix/>
-          </a:blip>
-          <a:srcRect l="11821" t="38142" r="37024" b="15137"/>
+          <a:blip r:embed="rId3"/>
+          <a:srcRect l="21296" t="9902" r="20648" b="19696"/>
           <a:stretch/>
         </p:blipFill>
         <p:spPr>
           <a:xfrm>
-            <a:off x="2677100" y="1989500"/>
-            <a:ext cx="8394849" cy="4719775"/>
+            <a:off x="2556933" y="1768972"/>
+            <a:ext cx="7078134" cy="4202849"/>
           </a:xfrm>
           <a:prstGeom prst="rect">
             <a:avLst/>
           </a:prstGeom>
-          <a:noFill/>
-          <a:ln>
-            <a:noFill/>
-          </a:ln>
         </p:spPr>
       </p:pic>
     </p:spTree>
@@ -17923,7 +17730,7 @@
         <p:spPr>
           <a:xfrm>
             <a:off x="1751675" y="479225"/>
-            <a:ext cx="9320400" cy="954300"/>
+            <a:ext cx="9320400" cy="569356"/>
           </a:xfrm>
           <a:prstGeom prst="rect">
             <a:avLst/>
@@ -17949,42 +17756,10 @@
               <a:buNone/>
             </a:pPr>
             <a:r>
-              <a:rPr lang="en-US" sz="2500"/>
-              <a:t>3) Put the values in equations given. Solve the equations to find current(I</a:t>
+              <a:rPr lang="en-US" sz="2500" dirty="0"/>
+              <a:t>3) Click on Add to Table to add Armature Reading to Table.</a:t>
             </a:r>
-            <a:r>
-              <a:rPr lang="en-US" sz="2500" baseline="-25000"/>
-              <a:t>L</a:t>
-            </a:r>
-            <a:r>
-              <a:rPr lang="en-US" sz="2500"/>
-              <a:t>, I</a:t>
-            </a:r>
-            <a:r>
-              <a:rPr lang="en-US" sz="2500" baseline="-25000"/>
-              <a:t>R</a:t>
-            </a:r>
-            <a:r>
-              <a:rPr lang="en-US" sz="2500"/>
-              <a:t>,I</a:t>
-            </a:r>
-            <a:r>
-              <a:rPr lang="en-US" sz="2500" baseline="-25000"/>
-              <a:t>S </a:t>
-            </a:r>
-            <a:r>
-              <a:rPr lang="en-US" sz="2500"/>
-              <a:t>),reactance(X</a:t>
-            </a:r>
-            <a:r>
-              <a:rPr lang="en-US" sz="2500" baseline="-25000"/>
-              <a:t>L</a:t>
-            </a:r>
-            <a:r>
-              <a:rPr lang="en-US" sz="2500"/>
-              <a:t>),impedance(Z),power(P)=V.I </a:t>
-            </a:r>
-            <a:endParaRPr sz="2500"/>
+            <a:endParaRPr sz="2500" dirty="0"/>
           </a:p>
         </p:txBody>
       </p:sp>
@@ -18033,30 +17808,31 @@
       </p:sp>
       <p:pic>
         <p:nvPicPr>
-          <p:cNvPr id="176" name="Google Shape;176;p23"/>
-          <p:cNvPicPr preferRelativeResize="0"/>
+          <p:cNvPr id="3" name="Picture 2">
+            <a:extLst>
+              <a:ext uri="{FF2B5EF4-FFF2-40B4-BE49-F238E27FC236}">
+                <a16:creationId xmlns:a16="http://schemas.microsoft.com/office/drawing/2014/main" id="{D1385A0C-E058-4460-B4D3-4AA1B8967671}"/>
+              </a:ext>
+            </a:extLst>
+          </p:cNvPr>
+          <p:cNvPicPr>
+            <a:picLocks noChangeAspect="1"/>
+          </p:cNvPicPr>
           <p:nvPr/>
         </p:nvPicPr>
-        <p:blipFill>
-          <a:blip r:embed="rId3">
-            <a:alphaModFix/>
-          </a:blip>
-          <a:stretch>
-            <a:fillRect/>
-          </a:stretch>
+        <p:blipFill rotWithShape="1">
+          <a:blip r:embed="rId3"/>
+          <a:srcRect l="21340" t="8729" r="21296" b="18520"/>
+          <a:stretch/>
         </p:blipFill>
         <p:spPr>
           <a:xfrm>
-            <a:off x="3671025" y="2082200"/>
-            <a:ext cx="6855600" cy="4263525"/>
+            <a:off x="3054934" y="1896369"/>
+            <a:ext cx="6993731" cy="4323808"/>
           </a:xfrm>
           <a:prstGeom prst="rect">
             <a:avLst/>
           </a:prstGeom>
-          <a:noFill/>
-          <a:ln>
-            <a:noFill/>
-          </a:ln>
         </p:spPr>
       </p:pic>
     </p:spTree>
@@ -18183,7 +17959,7 @@
         <p:spPr>
           <a:xfrm>
             <a:off x="1792475" y="351525"/>
-            <a:ext cx="9518700" cy="2108700"/>
+            <a:ext cx="9518700" cy="569356"/>
           </a:xfrm>
           <a:prstGeom prst="rect">
             <a:avLst/>
@@ -18209,70 +17985,44 @@
               <a:buNone/>
             </a:pPr>
             <a:r>
-              <a:rPr lang="en-US" sz="2500"/>
-              <a:t>4) Put the values which you have calculated in tabular form as shown.</a:t>
+              <a:rPr lang="en-US" sz="2500" dirty="0"/>
+              <a:t>4) </a:t>
             </a:r>
-            <a:endParaRPr sz="2500"/>
-          </a:p>
-          <a:p>
-            <a:pPr marL="0" lvl="0" indent="0" algn="l" rtl="0">
-              <a:spcBef>
-                <a:spcPts val="0"/>
-              </a:spcBef>
-              <a:spcAft>
-                <a:spcPts val="0"/>
-              </a:spcAft>
-              <a:buNone/>
-            </a:pPr>
             <a:r>
-              <a:rPr lang="en-US" sz="2500" b="1"/>
-              <a:t>NOTE:i) If your answer is less than 1,then round it off upto 5 decimal places.</a:t>
+              <a:rPr lang="en-IN" sz="2500" dirty="0"/>
+              <a:t>Complete the Armature Reading Table.</a:t>
             </a:r>
-            <a:endParaRPr sz="2500" b="1"/>
-          </a:p>
-          <a:p>
-            <a:pPr marL="0" lvl="0" indent="0" algn="l" rtl="0">
-              <a:spcBef>
-                <a:spcPts val="0"/>
-              </a:spcBef>
-              <a:spcAft>
-                <a:spcPts val="0"/>
-              </a:spcAft>
-              <a:buNone/>
-            </a:pPr>
-            <a:r>
-              <a:rPr lang="en-US" sz="2500" b="1"/>
-              <a:t>ii) No need to calculate voltage and resistance as it is given.</a:t>
-            </a:r>
-            <a:endParaRPr sz="2500" b="1"/>
+            <a:endParaRPr sz="2500" b="1" dirty="0"/>
           </a:p>
         </p:txBody>
       </p:sp>
       <p:pic>
         <p:nvPicPr>
-          <p:cNvPr id="183" name="Google Shape;183;p24"/>
-          <p:cNvPicPr preferRelativeResize="0"/>
+          <p:cNvPr id="3" name="Picture 2">
+            <a:extLst>
+              <a:ext uri="{FF2B5EF4-FFF2-40B4-BE49-F238E27FC236}">
+                <a16:creationId xmlns:a16="http://schemas.microsoft.com/office/drawing/2014/main" id="{7341AF15-6E27-4721-9526-13556778A858}"/>
+              </a:ext>
+            </a:extLst>
+          </p:cNvPr>
+          <p:cNvPicPr>
+            <a:picLocks noChangeAspect="1"/>
+          </p:cNvPicPr>
           <p:nvPr/>
         </p:nvPicPr>
         <p:blipFill rotWithShape="1">
-          <a:blip r:embed="rId3">
-            <a:alphaModFix/>
-          </a:blip>
-          <a:srcRect l="12012" t="49388" r="33951" b="26938"/>
+          <a:blip r:embed="rId3"/>
+          <a:srcRect l="27130" t="20466" r="36574" b="44276"/>
           <a:stretch/>
         </p:blipFill>
         <p:spPr>
           <a:xfrm>
-            <a:off x="2673300" y="2363125"/>
-            <a:ext cx="9518701" cy="4197425"/>
+            <a:off x="1792475" y="1727201"/>
+            <a:ext cx="9113993" cy="4045499"/>
           </a:xfrm>
           <a:prstGeom prst="rect">
             <a:avLst/>
           </a:prstGeom>
-          <a:noFill/>
-          <a:ln>
-            <a:noFill/>
-          </a:ln>
         </p:spPr>
       </p:pic>
     </p:spTree>
@@ -18397,7 +18147,7 @@
         <p:spPr>
           <a:xfrm>
             <a:off x="1916650" y="429650"/>
-            <a:ext cx="9518700" cy="954300"/>
+            <a:ext cx="9518700" cy="569356"/>
           </a:xfrm>
           <a:prstGeom prst="rect">
             <a:avLst/>
@@ -18423,318 +18173,40 @@
               <a:buNone/>
             </a:pPr>
             <a:r>
-              <a:rPr lang="en-US" sz="2500"/>
-              <a:t>5) Click on </a:t>
+              <a:rPr lang="en-US" sz="2500" dirty="0"/>
+              <a:t>5) Click on Plot Graph to Plot Table</a:t>
             </a:r>
-            <a:r>
-              <a:rPr lang="en-US" sz="2500" b="1"/>
-              <a:t>Verify Reactance/Impedance</a:t>
-            </a:r>
-            <a:r>
-              <a:rPr lang="en-US" sz="2500"/>
-              <a:t> ,</a:t>
-            </a:r>
-            <a:r>
-              <a:rPr lang="en-US" sz="2500" b="1"/>
-              <a:t>Verify Current</a:t>
-            </a:r>
-            <a:r>
-              <a:rPr lang="en-US" sz="2500"/>
-              <a:t> ,</a:t>
-            </a:r>
-            <a:r>
-              <a:rPr lang="en-US" sz="2500" b="1"/>
-              <a:t>Verify Power </a:t>
-            </a:r>
-            <a:r>
-              <a:rPr lang="en-US" sz="2500"/>
-              <a:t>buttons to verify your answers.</a:t>
-            </a:r>
-            <a:endParaRPr sz="2500"/>
+            <a:endParaRPr sz="2500" dirty="0"/>
           </a:p>
         </p:txBody>
       </p:sp>
       <p:pic>
         <p:nvPicPr>
-          <p:cNvPr id="191" name="Google Shape;191;p25"/>
-          <p:cNvPicPr preferRelativeResize="0"/>
+          <p:cNvPr id="3" name="Picture 2">
+            <a:extLst>
+              <a:ext uri="{FF2B5EF4-FFF2-40B4-BE49-F238E27FC236}">
+                <a16:creationId xmlns:a16="http://schemas.microsoft.com/office/drawing/2014/main" id="{08A81C5E-057A-41E3-929E-1FA46BA4675F}"/>
+              </a:ext>
+            </a:extLst>
+          </p:cNvPr>
+          <p:cNvPicPr>
+            <a:picLocks noChangeAspect="1"/>
+          </p:cNvPicPr>
           <p:nvPr/>
         </p:nvPicPr>
         <p:blipFill rotWithShape="1">
-          <a:blip r:embed="rId3">
-            <a:alphaModFix/>
-          </a:blip>
-          <a:srcRect l="12332" t="37582" r="33721" b="6969"/>
+          <a:blip r:embed="rId3"/>
+          <a:srcRect l="26759" t="55319" r="36574"/>
           <a:stretch/>
         </p:blipFill>
         <p:spPr>
           <a:xfrm>
-            <a:off x="2387525" y="1383950"/>
-            <a:ext cx="9650626" cy="5007176"/>
+            <a:off x="2517424" y="1525786"/>
+            <a:ext cx="7518400" cy="4186392"/>
           </a:xfrm>
           <a:prstGeom prst="rect">
             <a:avLst/>
           </a:prstGeom>
-          <a:noFill/>
-          <a:ln>
-            <a:noFill/>
-          </a:ln>
-        </p:spPr>
-      </p:pic>
-    </p:spTree>
-  </p:cSld>
-  <p:clrMapOvr>
-    <a:masterClrMapping/>
-  </p:clrMapOvr>
-</p:sld>
-</file>
-
-<file path=ppt/slides/slide8.xml><?xml version="1.0" encoding="utf-8"?>
-<p:sld xmlns:a="http://schemas.openxmlformats.org/drawingml/2006/main" xmlns:r="http://schemas.openxmlformats.org/officeDocument/2006/relationships" xmlns:p="http://schemas.openxmlformats.org/presentationml/2006/main">
-  <p:cSld>
-    <p:spTree>
-      <p:nvGrpSpPr>
-        <p:cNvPr id="1" name="Shape 195"/>
-        <p:cNvGrpSpPr/>
-        <p:nvPr/>
-      </p:nvGrpSpPr>
-      <p:grpSpPr>
-        <a:xfrm>
-          <a:off x="0" y="0"/>
-          <a:ext cx="0" cy="0"/>
-          <a:chOff x="0" y="0"/>
-          <a:chExt cx="0" cy="0"/>
-        </a:xfrm>
-      </p:grpSpPr>
-      <p:sp>
-        <p:nvSpPr>
-          <p:cNvPr id="196" name="Google Shape;196;p26"/>
-          <p:cNvSpPr/>
-          <p:nvPr/>
-        </p:nvSpPr>
-        <p:spPr>
-          <a:xfrm>
-            <a:off x="2359376" y="1259725"/>
-            <a:ext cx="9039654" cy="4338550"/>
-          </a:xfrm>
-          <a:prstGeom prst="rect">
-            <a:avLst/>
-          </a:prstGeom>
-          <a:solidFill>
-            <a:srgbClr val="FFFFFF">
-              <a:alpha val="0"/>
-            </a:srgbClr>
-          </a:solidFill>
-          <a:ln>
-            <a:noFill/>
-          </a:ln>
-        </p:spPr>
-        <p:txBody>
-          <a:bodyPr spcFirstLastPara="1" wrap="square" lIns="91425" tIns="45700" rIns="91425" bIns="45700" anchor="t" anchorCtr="0">
-            <a:noAutofit/>
-          </a:bodyPr>
-          <a:lstStyle/>
-          <a:p>
-            <a:pPr marL="0" marR="0" lvl="0" indent="0" algn="l" rtl="0">
-              <a:spcBef>
-                <a:spcPts val="600"/>
-              </a:spcBef>
-              <a:spcAft>
-                <a:spcPts val="0"/>
-              </a:spcAft>
-              <a:buNone/>
-            </a:pPr>
-            <a:endParaRPr sz="2000" i="0" u="none" strike="noStrike" cap="none">
-              <a:solidFill>
-                <a:schemeClr val="dk1"/>
-              </a:solidFill>
-              <a:latin typeface="Quattrocento Sans"/>
-              <a:ea typeface="Quattrocento Sans"/>
-              <a:cs typeface="Quattrocento Sans"/>
-              <a:sym typeface="Quattrocento Sans"/>
-            </a:endParaRPr>
-          </a:p>
-        </p:txBody>
-      </p:sp>
-      <p:sp>
-        <p:nvSpPr>
-          <p:cNvPr id="197" name="Google Shape;197;p26"/>
-          <p:cNvSpPr txBox="1"/>
-          <p:nvPr/>
-        </p:nvSpPr>
-        <p:spPr>
-          <a:xfrm>
-            <a:off x="1801250" y="264400"/>
-            <a:ext cx="9518700" cy="954300"/>
-          </a:xfrm>
-          <a:prstGeom prst="rect">
-            <a:avLst/>
-          </a:prstGeom>
-          <a:noFill/>
-          <a:ln>
-            <a:noFill/>
-          </a:ln>
-        </p:spPr>
-        <p:txBody>
-          <a:bodyPr spcFirstLastPara="1" wrap="square" lIns="91425" tIns="91425" rIns="91425" bIns="91425" anchor="t" anchorCtr="0">
-            <a:spAutoFit/>
-          </a:bodyPr>
-          <a:lstStyle/>
-          <a:p>
-            <a:pPr marL="0" lvl="0" indent="0" algn="l" rtl="0">
-              <a:spcBef>
-                <a:spcPts val="0"/>
-              </a:spcBef>
-              <a:spcAft>
-                <a:spcPts val="0"/>
-              </a:spcAft>
-              <a:buNone/>
-            </a:pPr>
-            <a:r>
-              <a:rPr lang="en-US" sz="2500"/>
-              <a:t>6) Click on the </a:t>
-            </a:r>
-            <a:r>
-              <a:rPr lang="en-US" sz="2500" b="1"/>
-              <a:t>Click here to see answer </a:t>
-            </a:r>
-            <a:r>
-              <a:rPr lang="en-US" sz="2500"/>
-              <a:t>button to see correct answers if you want. Answers will be displayed in the table.</a:t>
-            </a:r>
-            <a:endParaRPr sz="2500"/>
-          </a:p>
-        </p:txBody>
-      </p:sp>
-      <p:pic>
-        <p:nvPicPr>
-          <p:cNvPr id="198" name="Google Shape;198;p26"/>
-          <p:cNvPicPr preferRelativeResize="0"/>
-          <p:nvPr/>
-        </p:nvPicPr>
-        <p:blipFill rotWithShape="1">
-          <a:blip r:embed="rId3">
-            <a:alphaModFix/>
-          </a:blip>
-          <a:srcRect l="12195" t="37823" r="34127" b="6487"/>
-          <a:stretch/>
-        </p:blipFill>
-        <p:spPr>
-          <a:xfrm>
-            <a:off x="2359375" y="1259725"/>
-            <a:ext cx="9799824" cy="5457525"/>
-          </a:xfrm>
-          <a:prstGeom prst="rect">
-            <a:avLst/>
-          </a:prstGeom>
-          <a:noFill/>
-          <a:ln>
-            <a:noFill/>
-          </a:ln>
-        </p:spPr>
-      </p:pic>
-    </p:spTree>
-  </p:cSld>
-  <p:clrMapOvr>
-    <a:masterClrMapping/>
-  </p:clrMapOvr>
-</p:sld>
-</file>
-
-<file path=ppt/slides/slide9.xml><?xml version="1.0" encoding="utf-8"?>
-<p:sld xmlns:a="http://schemas.openxmlformats.org/drawingml/2006/main" xmlns:r="http://schemas.openxmlformats.org/officeDocument/2006/relationships" xmlns:p="http://schemas.openxmlformats.org/presentationml/2006/main">
-  <p:cSld>
-    <p:spTree>
-      <p:nvGrpSpPr>
-        <p:cNvPr id="1" name="Shape 202"/>
-        <p:cNvGrpSpPr/>
-        <p:nvPr/>
-      </p:nvGrpSpPr>
-      <p:grpSpPr>
-        <a:xfrm>
-          <a:off x="0" y="0"/>
-          <a:ext cx="0" cy="0"/>
-          <a:chOff x="0" y="0"/>
-          <a:chExt cx="0" cy="0"/>
-        </a:xfrm>
-      </p:grpSpPr>
-      <p:sp>
-        <p:nvSpPr>
-          <p:cNvPr id="203" name="Google Shape;203;p27"/>
-          <p:cNvSpPr txBox="1">
-            <a:spLocks noGrp="1"/>
-          </p:cNvSpPr>
-          <p:nvPr>
-            <p:ph type="title"/>
-          </p:nvPr>
-        </p:nvSpPr>
-        <p:spPr>
-          <a:xfrm>
-            <a:off x="1484300" y="685800"/>
-            <a:ext cx="10018800" cy="768300"/>
-          </a:xfrm>
-          <a:prstGeom prst="rect">
-            <a:avLst/>
-          </a:prstGeom>
-        </p:spPr>
-        <p:txBody>
-          <a:bodyPr spcFirstLastPara="1" wrap="square" lIns="91425" tIns="45700" rIns="91425" bIns="45700" anchor="ctr" anchorCtr="0">
-            <a:normAutofit/>
-          </a:bodyPr>
-          <a:lstStyle/>
-          <a:p>
-            <a:pPr marL="0" lvl="0" indent="0" algn="l" rtl="0">
-              <a:spcBef>
-                <a:spcPts val="0"/>
-              </a:spcBef>
-              <a:spcAft>
-                <a:spcPts val="0"/>
-              </a:spcAft>
-              <a:buNone/>
-            </a:pPr>
-            <a:r>
-              <a:rPr lang="en-US" sz="2400">
-                <a:latin typeface="Arial"/>
-                <a:ea typeface="Arial"/>
-                <a:cs typeface="Arial"/>
-                <a:sym typeface="Arial"/>
-              </a:rPr>
-              <a:t>7) Repeat the same procedure for RC parallel circuit.</a:t>
-            </a:r>
-            <a:endParaRPr sz="2400">
-              <a:latin typeface="Arial"/>
-              <a:ea typeface="Arial"/>
-              <a:cs typeface="Arial"/>
-              <a:sym typeface="Arial"/>
-            </a:endParaRPr>
-          </a:p>
-        </p:txBody>
-      </p:sp>
-      <p:pic>
-        <p:nvPicPr>
-          <p:cNvPr id="204" name="Google Shape;204;p27"/>
-          <p:cNvPicPr preferRelativeResize="0"/>
-          <p:nvPr/>
-        </p:nvPicPr>
-        <p:blipFill rotWithShape="1">
-          <a:blip r:embed="rId3">
-            <a:alphaModFix/>
-          </a:blip>
-          <a:srcRect t="8893" r="16638" b="5760"/>
-          <a:stretch/>
-        </p:blipFill>
-        <p:spPr>
-          <a:xfrm>
-            <a:off x="1896750" y="1454100"/>
-            <a:ext cx="10295248" cy="5189075"/>
-          </a:xfrm>
-          <a:prstGeom prst="rect">
-            <a:avLst/>
-          </a:prstGeom>
-          <a:noFill/>
-          <a:ln>
-            <a:noFill/>
-          </a:ln>
         </p:spPr>
       </p:pic>
     </p:spTree>
